--- a/高松チーム/必要書類/仕様書/仕様書.pptx
+++ b/高松チーム/必要書類/仕様書/仕様書.pptx
@@ -6,30 +6,15 @@
   </p:sldMasterIdLst>
   <p:sldIdLst>
     <p:sldId id="256" r:id="rId2"/>
-    <p:sldId id="257" r:id="rId3"/>
-    <p:sldId id="280" r:id="rId4"/>
-    <p:sldId id="279" r:id="rId5"/>
-    <p:sldId id="268" r:id="rId6"/>
-    <p:sldId id="258" r:id="rId7"/>
-    <p:sldId id="267" r:id="rId8"/>
-    <p:sldId id="270" r:id="rId9"/>
-    <p:sldId id="271" r:id="rId10"/>
-    <p:sldId id="259" r:id="rId11"/>
-    <p:sldId id="272" r:id="rId12"/>
-    <p:sldId id="260" r:id="rId13"/>
-    <p:sldId id="274" r:id="rId14"/>
-    <p:sldId id="275" r:id="rId15"/>
-    <p:sldId id="273" r:id="rId16"/>
-    <p:sldId id="269" r:id="rId17"/>
-    <p:sldId id="261" r:id="rId18"/>
-    <p:sldId id="266" r:id="rId19"/>
-    <p:sldId id="276" r:id="rId20"/>
-    <p:sldId id="277" r:id="rId21"/>
-    <p:sldId id="278" r:id="rId22"/>
-    <p:sldId id="262" r:id="rId23"/>
-    <p:sldId id="265" r:id="rId24"/>
-    <p:sldId id="263" r:id="rId25"/>
-    <p:sldId id="264" r:id="rId26"/>
+    <p:sldId id="280" r:id="rId3"/>
+    <p:sldId id="268" r:id="rId4"/>
+    <p:sldId id="267" r:id="rId5"/>
+    <p:sldId id="283" r:id="rId6"/>
+    <p:sldId id="274" r:id="rId7"/>
+    <p:sldId id="266" r:id="rId8"/>
+    <p:sldId id="265" r:id="rId9"/>
+    <p:sldId id="281" r:id="rId10"/>
+    <p:sldId id="282" r:id="rId11"/>
   </p:sldIdLst>
   <p:sldSz cx="12192000" cy="6858000"/>
   <p:notesSz cx="6858000" cy="9144000"/>
@@ -3346,638 +3331,80 @@
         </p:nvSpPr>
         <p:spPr>
           <a:xfrm>
-            <a:off x="3853962" y="2783009"/>
-            <a:ext cx="3496408" cy="1325563"/>
+            <a:off x="838200" y="285995"/>
+            <a:ext cx="4551485" cy="1032852"/>
           </a:xfrm>
         </p:spPr>
         <p:txBody>
-          <a:bodyPr/>
+          <a:bodyPr>
+            <a:normAutofit/>
+          </a:bodyPr>
           <a:lstStyle/>
           <a:p>
             <a:r>
               <a:rPr kumimoji="1" lang="ja-JP" altLang="en-US" dirty="0" smtClean="0"/>
-              <a:t>ボス</a:t>
+              <a:t>チュートリアル</a:t>
             </a:r>
             <a:endParaRPr kumimoji="1" lang="ja-JP" altLang="en-US" dirty="0"/>
+          </a:p>
+        </p:txBody>
+      </p:sp>
+      <p:sp>
+        <p:nvSpPr>
+          <p:cNvPr id="3" name="コンテンツ プレースホルダー 2"/>
+          <p:cNvSpPr>
+            <a:spLocks noGrp="1"/>
+          </p:cNvSpPr>
+          <p:nvPr>
+            <p:ph idx="1"/>
+          </p:nvPr>
+        </p:nvSpPr>
+        <p:spPr>
+          <a:xfrm>
+            <a:off x="838200" y="1424355"/>
+            <a:ext cx="10515600" cy="2963007"/>
+          </a:xfrm>
+        </p:spPr>
+        <p:txBody>
+          <a:bodyPr/>
+          <a:lstStyle/>
+          <a:p>
+            <a:r>
+              <a:rPr kumimoji="1" lang="ja-JP" altLang="en-US" dirty="0" smtClean="0"/>
+              <a:t>基本操作と近距離攻撃、遠距離攻撃、必殺技</a:t>
+            </a:r>
+            <a:endParaRPr kumimoji="1" lang="en-US" altLang="ja-JP" dirty="0" smtClean="0"/>
+          </a:p>
+          <a:p>
+            <a:r>
+              <a:rPr lang="ja-JP" altLang="en-US" dirty="0" smtClean="0"/>
+              <a:t>簡単なアイテムの説明</a:t>
+            </a:r>
+            <a:endParaRPr kumimoji="1" lang="en-US" altLang="ja-JP" dirty="0" smtClean="0"/>
+          </a:p>
+          <a:p>
+            <a:r>
+              <a:rPr kumimoji="1" lang="ja-JP" altLang="en-US" dirty="0" smtClean="0"/>
+              <a:t>ゲームクリア条件とゲームオーバー条件の説明</a:t>
+            </a:r>
+            <a:endParaRPr kumimoji="1" lang="en-US" altLang="ja-JP" dirty="0" smtClean="0"/>
+          </a:p>
+          <a:p>
+            <a:pPr marL="0" indent="0">
+              <a:buNone/>
+            </a:pPr>
+            <a:r>
+              <a:rPr lang="ja-JP" altLang="en-US" dirty="0" smtClean="0"/>
+              <a:t>→ゲーム本編へ</a:t>
+            </a:r>
+            <a:endParaRPr kumimoji="1" lang="en-US" altLang="ja-JP" dirty="0" smtClean="0"/>
           </a:p>
         </p:txBody>
       </p:sp>
     </p:spTree>
     <p:extLst>
       <p:ext uri="{BB962C8B-B14F-4D97-AF65-F5344CB8AC3E}">
-        <p14:creationId xmlns:p14="http://schemas.microsoft.com/office/powerpoint/2010/main" val="299903559"/>
-      </p:ext>
-    </p:extLst>
-  </p:cSld>
-  <p:clrMapOvr>
-    <a:masterClrMapping/>
-  </p:clrMapOvr>
-</p:sld>
-</file>
-
-<file path=ppt/slides/slide11.xml><?xml version="1.0" encoding="utf-8"?>
-<p:sld xmlns:a="http://schemas.openxmlformats.org/drawingml/2006/main" xmlns:r="http://schemas.openxmlformats.org/officeDocument/2006/relationships" xmlns:p="http://schemas.openxmlformats.org/presentationml/2006/main">
-  <p:cSld>
-    <p:spTree>
-      <p:nvGrpSpPr>
-        <p:cNvPr id="1" name=""/>
-        <p:cNvGrpSpPr/>
-        <p:nvPr/>
-      </p:nvGrpSpPr>
-      <p:grpSpPr>
-        <a:xfrm>
-          <a:off x="0" y="0"/>
-          <a:ext cx="0" cy="0"/>
-          <a:chOff x="0" y="0"/>
-          <a:chExt cx="0" cy="0"/>
-        </a:xfrm>
-      </p:grpSpPr>
-      <p:sp>
-        <p:nvSpPr>
-          <p:cNvPr id="2" name="タイトル 1"/>
-          <p:cNvSpPr>
-            <a:spLocks noGrp="1"/>
-          </p:cNvSpPr>
-          <p:nvPr>
-            <p:ph type="title"/>
-          </p:nvPr>
-        </p:nvSpPr>
-        <p:spPr/>
-        <p:txBody>
-          <a:bodyPr/>
-          <a:lstStyle/>
-          <a:p>
-            <a:endParaRPr kumimoji="1" lang="ja-JP" altLang="en-US"/>
-          </a:p>
-        </p:txBody>
-      </p:sp>
-      <p:sp>
-        <p:nvSpPr>
-          <p:cNvPr id="3" name="コンテンツ プレースホルダー 2"/>
-          <p:cNvSpPr>
-            <a:spLocks noGrp="1"/>
-          </p:cNvSpPr>
-          <p:nvPr>
-            <p:ph idx="1"/>
-          </p:nvPr>
-        </p:nvSpPr>
-        <p:spPr/>
-        <p:txBody>
-          <a:bodyPr/>
-          <a:lstStyle/>
-          <a:p>
-            <a:endParaRPr kumimoji="1" lang="ja-JP" altLang="en-US"/>
-          </a:p>
-        </p:txBody>
-      </p:sp>
-    </p:spTree>
-    <p:extLst>
-      <p:ext uri="{BB962C8B-B14F-4D97-AF65-F5344CB8AC3E}">
-        <p14:creationId xmlns:p14="http://schemas.microsoft.com/office/powerpoint/2010/main" val="4039675174"/>
-      </p:ext>
-    </p:extLst>
-  </p:cSld>
-  <p:clrMapOvr>
-    <a:masterClrMapping/>
-  </p:clrMapOvr>
-</p:sld>
-</file>
-
-<file path=ppt/slides/slide12.xml><?xml version="1.0" encoding="utf-8"?>
-<p:sld xmlns:a="http://schemas.openxmlformats.org/drawingml/2006/main" xmlns:r="http://schemas.openxmlformats.org/officeDocument/2006/relationships" xmlns:p="http://schemas.openxmlformats.org/presentationml/2006/main">
-  <p:cSld>
-    <p:spTree>
-      <p:nvGrpSpPr>
-        <p:cNvPr id="1" name=""/>
-        <p:cNvGrpSpPr/>
-        <p:nvPr/>
-      </p:nvGrpSpPr>
-      <p:grpSpPr>
-        <a:xfrm>
-          <a:off x="0" y="0"/>
-          <a:ext cx="0" cy="0"/>
-          <a:chOff x="0" y="0"/>
-          <a:chExt cx="0" cy="0"/>
-        </a:xfrm>
-      </p:grpSpPr>
-      <p:sp>
-        <p:nvSpPr>
-          <p:cNvPr id="2" name="タイトル 1"/>
-          <p:cNvSpPr>
-            <a:spLocks noGrp="1"/>
-          </p:cNvSpPr>
-          <p:nvPr>
-            <p:ph type="title"/>
-          </p:nvPr>
-        </p:nvSpPr>
-        <p:spPr>
-          <a:xfrm>
-            <a:off x="3853962" y="2783009"/>
-            <a:ext cx="3496408" cy="1325563"/>
-          </a:xfrm>
-        </p:spPr>
-        <p:txBody>
-          <a:bodyPr/>
-          <a:lstStyle/>
-          <a:p>
-            <a:r>
-              <a:rPr kumimoji="1" lang="ja-JP" altLang="en-US" dirty="0" smtClean="0"/>
-              <a:t>マップ</a:t>
-            </a:r>
-            <a:endParaRPr kumimoji="1" lang="ja-JP" altLang="en-US" dirty="0"/>
-          </a:p>
-        </p:txBody>
-      </p:sp>
-    </p:spTree>
-    <p:extLst>
-      <p:ext uri="{BB962C8B-B14F-4D97-AF65-F5344CB8AC3E}">
-        <p14:creationId xmlns:p14="http://schemas.microsoft.com/office/powerpoint/2010/main" val="2833005005"/>
-      </p:ext>
-    </p:extLst>
-  </p:cSld>
-  <p:clrMapOvr>
-    <a:masterClrMapping/>
-  </p:clrMapOvr>
-</p:sld>
-</file>
-
-<file path=ppt/slides/slide13.xml><?xml version="1.0" encoding="utf-8"?>
-<p:sld xmlns:a="http://schemas.openxmlformats.org/drawingml/2006/main" xmlns:r="http://schemas.openxmlformats.org/officeDocument/2006/relationships" xmlns:p="http://schemas.openxmlformats.org/presentationml/2006/main">
-  <p:cSld>
-    <p:spTree>
-      <p:nvGrpSpPr>
-        <p:cNvPr id="1" name=""/>
-        <p:cNvGrpSpPr/>
-        <p:nvPr/>
-      </p:nvGrpSpPr>
-      <p:grpSpPr>
-        <a:xfrm>
-          <a:off x="0" y="0"/>
-          <a:ext cx="0" cy="0"/>
-          <a:chOff x="0" y="0"/>
-          <a:chExt cx="0" cy="0"/>
-        </a:xfrm>
-      </p:grpSpPr>
-      <p:sp>
-        <p:nvSpPr>
-          <p:cNvPr id="2" name="タイトル 1"/>
-          <p:cNvSpPr>
-            <a:spLocks noGrp="1"/>
-          </p:cNvSpPr>
-          <p:nvPr>
-            <p:ph type="title"/>
-          </p:nvPr>
-        </p:nvSpPr>
-        <p:spPr/>
-        <p:txBody>
-          <a:bodyPr/>
-          <a:lstStyle/>
-          <a:p>
-            <a:r>
-              <a:rPr lang="ja-JP" altLang="en-US" dirty="0" smtClean="0"/>
-              <a:t>マップ１</a:t>
-            </a:r>
-            <a:endParaRPr kumimoji="1" lang="ja-JP" altLang="en-US" dirty="0"/>
-          </a:p>
-        </p:txBody>
-      </p:sp>
-      <p:sp>
-        <p:nvSpPr>
-          <p:cNvPr id="3" name="コンテンツ プレースホルダー 2"/>
-          <p:cNvSpPr>
-            <a:spLocks noGrp="1"/>
-          </p:cNvSpPr>
-          <p:nvPr>
-            <p:ph idx="1"/>
-          </p:nvPr>
-        </p:nvSpPr>
-        <p:spPr/>
-        <p:txBody>
-          <a:bodyPr/>
-          <a:lstStyle/>
-          <a:p>
-            <a:endParaRPr kumimoji="1" lang="ja-JP" altLang="en-US"/>
-          </a:p>
-        </p:txBody>
-      </p:sp>
-    </p:spTree>
-    <p:extLst>
-      <p:ext uri="{BB962C8B-B14F-4D97-AF65-F5344CB8AC3E}">
-        <p14:creationId xmlns:p14="http://schemas.microsoft.com/office/powerpoint/2010/main" val="3439715174"/>
-      </p:ext>
-    </p:extLst>
-  </p:cSld>
-  <p:clrMapOvr>
-    <a:masterClrMapping/>
-  </p:clrMapOvr>
-</p:sld>
-</file>
-
-<file path=ppt/slides/slide14.xml><?xml version="1.0" encoding="utf-8"?>
-<p:sld xmlns:a="http://schemas.openxmlformats.org/drawingml/2006/main" xmlns:r="http://schemas.openxmlformats.org/officeDocument/2006/relationships" xmlns:p="http://schemas.openxmlformats.org/presentationml/2006/main">
-  <p:cSld>
-    <p:spTree>
-      <p:nvGrpSpPr>
-        <p:cNvPr id="1" name=""/>
-        <p:cNvGrpSpPr/>
-        <p:nvPr/>
-      </p:nvGrpSpPr>
-      <p:grpSpPr>
-        <a:xfrm>
-          <a:off x="0" y="0"/>
-          <a:ext cx="0" cy="0"/>
-          <a:chOff x="0" y="0"/>
-          <a:chExt cx="0" cy="0"/>
-        </a:xfrm>
-      </p:grpSpPr>
-      <p:sp>
-        <p:nvSpPr>
-          <p:cNvPr id="2" name="タイトル 1"/>
-          <p:cNvSpPr>
-            <a:spLocks noGrp="1"/>
-          </p:cNvSpPr>
-          <p:nvPr>
-            <p:ph type="title"/>
-          </p:nvPr>
-        </p:nvSpPr>
-        <p:spPr/>
-        <p:txBody>
-          <a:bodyPr/>
-          <a:lstStyle/>
-          <a:p>
-            <a:r>
-              <a:rPr lang="ja-JP" altLang="en-US" dirty="0" smtClean="0"/>
-              <a:t>マップ２</a:t>
-            </a:r>
-            <a:endParaRPr kumimoji="1" lang="ja-JP" altLang="en-US" dirty="0"/>
-          </a:p>
-        </p:txBody>
-      </p:sp>
-      <p:sp>
-        <p:nvSpPr>
-          <p:cNvPr id="3" name="コンテンツ プレースホルダー 2"/>
-          <p:cNvSpPr>
-            <a:spLocks noGrp="1"/>
-          </p:cNvSpPr>
-          <p:nvPr>
-            <p:ph idx="1"/>
-          </p:nvPr>
-        </p:nvSpPr>
-        <p:spPr/>
-        <p:txBody>
-          <a:bodyPr/>
-          <a:lstStyle/>
-          <a:p>
-            <a:endParaRPr kumimoji="1" lang="ja-JP" altLang="en-US"/>
-          </a:p>
-        </p:txBody>
-      </p:sp>
-    </p:spTree>
-    <p:extLst>
-      <p:ext uri="{BB962C8B-B14F-4D97-AF65-F5344CB8AC3E}">
-        <p14:creationId xmlns:p14="http://schemas.microsoft.com/office/powerpoint/2010/main" val="3689822813"/>
-      </p:ext>
-    </p:extLst>
-  </p:cSld>
-  <p:clrMapOvr>
-    <a:masterClrMapping/>
-  </p:clrMapOvr>
-</p:sld>
-</file>
-
-<file path=ppt/slides/slide15.xml><?xml version="1.0" encoding="utf-8"?>
-<p:sld xmlns:a="http://schemas.openxmlformats.org/drawingml/2006/main" xmlns:r="http://schemas.openxmlformats.org/officeDocument/2006/relationships" xmlns:p="http://schemas.openxmlformats.org/presentationml/2006/main">
-  <p:cSld>
-    <p:spTree>
-      <p:nvGrpSpPr>
-        <p:cNvPr id="1" name=""/>
-        <p:cNvGrpSpPr/>
-        <p:nvPr/>
-      </p:nvGrpSpPr>
-      <p:grpSpPr>
-        <a:xfrm>
-          <a:off x="0" y="0"/>
-          <a:ext cx="0" cy="0"/>
-          <a:chOff x="0" y="0"/>
-          <a:chExt cx="0" cy="0"/>
-        </a:xfrm>
-      </p:grpSpPr>
-      <p:sp>
-        <p:nvSpPr>
-          <p:cNvPr id="2" name="タイトル 1"/>
-          <p:cNvSpPr>
-            <a:spLocks noGrp="1"/>
-          </p:cNvSpPr>
-          <p:nvPr>
-            <p:ph type="title"/>
-          </p:nvPr>
-        </p:nvSpPr>
-        <p:spPr/>
-        <p:txBody>
-          <a:bodyPr/>
-          <a:lstStyle/>
-          <a:p>
-            <a:r>
-              <a:rPr kumimoji="1" lang="ja-JP" altLang="en-US" dirty="0" smtClean="0"/>
-              <a:t>ウェーブ１</a:t>
-            </a:r>
-            <a:endParaRPr kumimoji="1" lang="ja-JP" altLang="en-US" dirty="0"/>
-          </a:p>
-        </p:txBody>
-      </p:sp>
-      <p:sp>
-        <p:nvSpPr>
-          <p:cNvPr id="3" name="コンテンツ プレースホルダー 2"/>
-          <p:cNvSpPr>
-            <a:spLocks noGrp="1"/>
-          </p:cNvSpPr>
-          <p:nvPr>
-            <p:ph idx="1"/>
-          </p:nvPr>
-        </p:nvSpPr>
-        <p:spPr/>
-        <p:txBody>
-          <a:bodyPr/>
-          <a:lstStyle/>
-          <a:p>
-            <a:endParaRPr kumimoji="1" lang="ja-JP" altLang="en-US"/>
-          </a:p>
-        </p:txBody>
-      </p:sp>
-    </p:spTree>
-    <p:extLst>
-      <p:ext uri="{BB962C8B-B14F-4D97-AF65-F5344CB8AC3E}">
-        <p14:creationId xmlns:p14="http://schemas.microsoft.com/office/powerpoint/2010/main" val="1193685047"/>
-      </p:ext>
-    </p:extLst>
-  </p:cSld>
-  <p:clrMapOvr>
-    <a:masterClrMapping/>
-  </p:clrMapOvr>
-</p:sld>
-</file>
-
-<file path=ppt/slides/slide16.xml><?xml version="1.0" encoding="utf-8"?>
-<p:sld xmlns:a="http://schemas.openxmlformats.org/drawingml/2006/main" xmlns:r="http://schemas.openxmlformats.org/officeDocument/2006/relationships" xmlns:p="http://schemas.openxmlformats.org/presentationml/2006/main">
-  <p:cSld>
-    <p:spTree>
-      <p:nvGrpSpPr>
-        <p:cNvPr id="1" name=""/>
-        <p:cNvGrpSpPr/>
-        <p:nvPr/>
-      </p:nvGrpSpPr>
-      <p:grpSpPr>
-        <a:xfrm>
-          <a:off x="0" y="0"/>
-          <a:ext cx="0" cy="0"/>
-          <a:chOff x="0" y="0"/>
-          <a:chExt cx="0" cy="0"/>
-        </a:xfrm>
-      </p:grpSpPr>
-      <p:sp>
-        <p:nvSpPr>
-          <p:cNvPr id="2" name="タイトル 1"/>
-          <p:cNvSpPr>
-            <a:spLocks noGrp="1"/>
-          </p:cNvSpPr>
-          <p:nvPr>
-            <p:ph type="title"/>
-          </p:nvPr>
-        </p:nvSpPr>
-        <p:spPr/>
-        <p:txBody>
-          <a:bodyPr/>
-          <a:lstStyle/>
-          <a:p>
-            <a:endParaRPr kumimoji="1" lang="ja-JP" altLang="en-US"/>
-          </a:p>
-        </p:txBody>
-      </p:sp>
-      <p:sp>
-        <p:nvSpPr>
-          <p:cNvPr id="3" name="コンテンツ プレースホルダー 2"/>
-          <p:cNvSpPr>
-            <a:spLocks noGrp="1"/>
-          </p:cNvSpPr>
-          <p:nvPr>
-            <p:ph idx="1"/>
-          </p:nvPr>
-        </p:nvSpPr>
-        <p:spPr/>
-        <p:txBody>
-          <a:bodyPr/>
-          <a:lstStyle/>
-          <a:p>
-            <a:endParaRPr kumimoji="1" lang="ja-JP" altLang="en-US"/>
-          </a:p>
-        </p:txBody>
-      </p:sp>
-    </p:spTree>
-    <p:extLst>
-      <p:ext uri="{BB962C8B-B14F-4D97-AF65-F5344CB8AC3E}">
-        <p14:creationId xmlns:p14="http://schemas.microsoft.com/office/powerpoint/2010/main" val="4201572464"/>
-      </p:ext>
-    </p:extLst>
-  </p:cSld>
-  <p:clrMapOvr>
-    <a:masterClrMapping/>
-  </p:clrMapOvr>
-</p:sld>
-</file>
-
-<file path=ppt/slides/slide17.xml><?xml version="1.0" encoding="utf-8"?>
-<p:sld xmlns:a="http://schemas.openxmlformats.org/drawingml/2006/main" xmlns:r="http://schemas.openxmlformats.org/officeDocument/2006/relationships" xmlns:p="http://schemas.openxmlformats.org/presentationml/2006/main">
-  <p:cSld>
-    <p:spTree>
-      <p:nvGrpSpPr>
-        <p:cNvPr id="1" name=""/>
-        <p:cNvGrpSpPr/>
-        <p:nvPr/>
-      </p:nvGrpSpPr>
-      <p:grpSpPr>
-        <a:xfrm>
-          <a:off x="0" y="0"/>
-          <a:ext cx="0" cy="0"/>
-          <a:chOff x="0" y="0"/>
-          <a:chExt cx="0" cy="0"/>
-        </a:xfrm>
-      </p:grpSpPr>
-      <p:sp>
-        <p:nvSpPr>
-          <p:cNvPr id="2" name="タイトル 1"/>
-          <p:cNvSpPr>
-            <a:spLocks noGrp="1"/>
-          </p:cNvSpPr>
-          <p:nvPr>
-            <p:ph type="title"/>
-          </p:nvPr>
-        </p:nvSpPr>
-        <p:spPr>
-          <a:xfrm>
-            <a:off x="3853962" y="2783009"/>
-            <a:ext cx="3496408" cy="1325563"/>
-          </a:xfrm>
-        </p:spPr>
-        <p:txBody>
-          <a:bodyPr/>
-          <a:lstStyle/>
-          <a:p>
-            <a:r>
-              <a:rPr kumimoji="1" lang="ja-JP" altLang="en-US" dirty="0" smtClean="0"/>
-              <a:t>アイテム</a:t>
-            </a:r>
-            <a:endParaRPr kumimoji="1" lang="ja-JP" altLang="en-US" dirty="0"/>
-          </a:p>
-        </p:txBody>
-      </p:sp>
-    </p:spTree>
-    <p:extLst>
-      <p:ext uri="{BB962C8B-B14F-4D97-AF65-F5344CB8AC3E}">
-        <p14:creationId xmlns:p14="http://schemas.microsoft.com/office/powerpoint/2010/main" val="441251615"/>
-      </p:ext>
-    </p:extLst>
-  </p:cSld>
-  <p:clrMapOvr>
-    <a:masterClrMapping/>
-  </p:clrMapOvr>
-</p:sld>
-</file>
-
-<file path=ppt/slides/slide18.xml><?xml version="1.0" encoding="utf-8"?>
-<p:sld xmlns:a="http://schemas.openxmlformats.org/drawingml/2006/main" xmlns:r="http://schemas.openxmlformats.org/officeDocument/2006/relationships" xmlns:p="http://schemas.openxmlformats.org/presentationml/2006/main">
-  <p:cSld>
-    <p:spTree>
-      <p:nvGrpSpPr>
-        <p:cNvPr id="1" name=""/>
-        <p:cNvGrpSpPr/>
-        <p:nvPr/>
-      </p:nvGrpSpPr>
-      <p:grpSpPr>
-        <a:xfrm>
-          <a:off x="0" y="0"/>
-          <a:ext cx="0" cy="0"/>
-          <a:chOff x="0" y="0"/>
-          <a:chExt cx="0" cy="0"/>
-        </a:xfrm>
-      </p:grpSpPr>
-      <p:sp>
-        <p:nvSpPr>
-          <p:cNvPr id="2" name="タイトル 1"/>
-          <p:cNvSpPr>
-            <a:spLocks noGrp="1"/>
-          </p:cNvSpPr>
-          <p:nvPr>
-            <p:ph type="title"/>
-          </p:nvPr>
-        </p:nvSpPr>
-        <p:spPr/>
-        <p:txBody>
-          <a:bodyPr/>
-          <a:lstStyle/>
-          <a:p>
-            <a:r>
-              <a:rPr kumimoji="1" lang="ja-JP" altLang="en-US" dirty="0" smtClean="0"/>
-              <a:t>アイテム１</a:t>
-            </a:r>
-            <a:endParaRPr kumimoji="1" lang="ja-JP" altLang="en-US" dirty="0"/>
-          </a:p>
-        </p:txBody>
-      </p:sp>
-      <p:sp>
-        <p:nvSpPr>
-          <p:cNvPr id="3" name="コンテンツ プレースホルダー 2"/>
-          <p:cNvSpPr>
-            <a:spLocks noGrp="1"/>
-          </p:cNvSpPr>
-          <p:nvPr>
-            <p:ph idx="1"/>
-          </p:nvPr>
-        </p:nvSpPr>
-        <p:spPr/>
-        <p:txBody>
-          <a:bodyPr/>
-          <a:lstStyle/>
-          <a:p>
-            <a:endParaRPr kumimoji="1" lang="ja-JP" altLang="en-US"/>
-          </a:p>
-        </p:txBody>
-      </p:sp>
-    </p:spTree>
-    <p:extLst>
-      <p:ext uri="{BB962C8B-B14F-4D97-AF65-F5344CB8AC3E}">
-        <p14:creationId xmlns:p14="http://schemas.microsoft.com/office/powerpoint/2010/main" val="3392804998"/>
-      </p:ext>
-    </p:extLst>
-  </p:cSld>
-  <p:clrMapOvr>
-    <a:masterClrMapping/>
-  </p:clrMapOvr>
-</p:sld>
-</file>
-
-<file path=ppt/slides/slide19.xml><?xml version="1.0" encoding="utf-8"?>
-<p:sld xmlns:a="http://schemas.openxmlformats.org/drawingml/2006/main" xmlns:r="http://schemas.openxmlformats.org/officeDocument/2006/relationships" xmlns:p="http://schemas.openxmlformats.org/presentationml/2006/main">
-  <p:cSld>
-    <p:spTree>
-      <p:nvGrpSpPr>
-        <p:cNvPr id="1" name=""/>
-        <p:cNvGrpSpPr/>
-        <p:nvPr/>
-      </p:nvGrpSpPr>
-      <p:grpSpPr>
-        <a:xfrm>
-          <a:off x="0" y="0"/>
-          <a:ext cx="0" cy="0"/>
-          <a:chOff x="0" y="0"/>
-          <a:chExt cx="0" cy="0"/>
-        </a:xfrm>
-      </p:grpSpPr>
-      <p:sp>
-        <p:nvSpPr>
-          <p:cNvPr id="2" name="タイトル 1"/>
-          <p:cNvSpPr>
-            <a:spLocks noGrp="1"/>
-          </p:cNvSpPr>
-          <p:nvPr>
-            <p:ph type="title"/>
-          </p:nvPr>
-        </p:nvSpPr>
-        <p:spPr/>
-        <p:txBody>
-          <a:bodyPr/>
-          <a:lstStyle/>
-          <a:p>
-            <a:r>
-              <a:rPr kumimoji="1" lang="ja-JP" altLang="en-US" dirty="0" smtClean="0"/>
-              <a:t>アイテム２</a:t>
-            </a:r>
-            <a:endParaRPr kumimoji="1" lang="ja-JP" altLang="en-US" dirty="0"/>
-          </a:p>
-        </p:txBody>
-      </p:sp>
-      <p:sp>
-        <p:nvSpPr>
-          <p:cNvPr id="3" name="コンテンツ プレースホルダー 2"/>
-          <p:cNvSpPr>
-            <a:spLocks noGrp="1"/>
-          </p:cNvSpPr>
-          <p:nvPr>
-            <p:ph idx="1"/>
-          </p:nvPr>
-        </p:nvSpPr>
-        <p:spPr/>
-        <p:txBody>
-          <a:bodyPr/>
-          <a:lstStyle/>
-          <a:p>
-            <a:endParaRPr kumimoji="1" lang="ja-JP" altLang="en-US"/>
-          </a:p>
-        </p:txBody>
-      </p:sp>
-    </p:spTree>
-    <p:extLst>
-      <p:ext uri="{BB962C8B-B14F-4D97-AF65-F5344CB8AC3E}">
-        <p14:creationId xmlns:p14="http://schemas.microsoft.com/office/powerpoint/2010/main" val="860755887"/>
+        <p14:creationId xmlns:p14="http://schemas.microsoft.com/office/powerpoint/2010/main" val="3892116819"/>
       </p:ext>
     </p:extLst>
   </p:cSld>
@@ -4006,17 +3433,100 @@
       </p:grpSpPr>
       <p:sp>
         <p:nvSpPr>
-          <p:cNvPr id="2" name="タイトル 1"/>
-          <p:cNvSpPr>
-            <a:spLocks noGrp="1"/>
-          </p:cNvSpPr>
-          <p:nvPr>
-            <p:ph type="title"/>
+          <p:cNvPr id="3" name="コンテンツ プレースホルダー 2"/>
+          <p:cNvSpPr>
+            <a:spLocks noGrp="1"/>
+          </p:cNvSpPr>
+          <p:nvPr>
+            <p:ph idx="1"/>
           </p:nvPr>
         </p:nvSpPr>
         <p:spPr>
           <a:xfrm>
-            <a:off x="3853962" y="2783009"/>
+            <a:off x="820615" y="1749670"/>
+            <a:ext cx="10515600" cy="3086100"/>
+          </a:xfrm>
+        </p:spPr>
+        <p:txBody>
+          <a:bodyPr/>
+          <a:lstStyle/>
+          <a:p>
+            <a:pPr marL="0" indent="0">
+              <a:buNone/>
+            </a:pPr>
+            <a:r>
+              <a:rPr lang="ja-JP" altLang="en-US" dirty="0" smtClean="0"/>
+              <a:t>・背景とロゴを表示。</a:t>
+            </a:r>
+            <a:endParaRPr lang="en-US" altLang="ja-JP" dirty="0" smtClean="0"/>
+          </a:p>
+          <a:p>
+            <a:pPr marL="0" indent="0">
+              <a:buNone/>
+            </a:pPr>
+            <a:r>
+              <a:rPr lang="ja-JP" altLang="en-US" dirty="0" smtClean="0"/>
+              <a:t>・</a:t>
+            </a:r>
+            <a:r>
+              <a:rPr kumimoji="1" lang="ja-JP" altLang="en-US" dirty="0" smtClean="0"/>
+              <a:t>ロゴは数秒おきに半透明のロゴを拡大させながら</a:t>
+            </a:r>
+            <a:endParaRPr kumimoji="1" lang="en-US" altLang="ja-JP" dirty="0" smtClean="0"/>
+          </a:p>
+          <a:p>
+            <a:pPr marL="0" indent="0">
+              <a:buNone/>
+            </a:pPr>
+            <a:r>
+              <a:rPr kumimoji="1" lang="ja-JP" altLang="en-US" dirty="0" smtClean="0"/>
+              <a:t>かぶせるように表示。</a:t>
+            </a:r>
+            <a:endParaRPr kumimoji="1" lang="en-US" altLang="ja-JP" dirty="0" smtClean="0"/>
+          </a:p>
+          <a:p>
+            <a:pPr marL="0" indent="0">
+              <a:buNone/>
+            </a:pPr>
+            <a:r>
+              <a:rPr lang="ja-JP" altLang="en-US" dirty="0" smtClean="0"/>
+              <a:t>・ロゴの周りにお札を表示させ、ゆっくりと回転させる</a:t>
+            </a:r>
+            <a:endParaRPr lang="en-US" altLang="ja-JP" dirty="0" smtClean="0"/>
+          </a:p>
+          <a:p>
+            <a:pPr marL="0" indent="0">
+              <a:buNone/>
+            </a:pPr>
+            <a:r>
+              <a:rPr kumimoji="1" lang="ja-JP" altLang="en-US" dirty="0" smtClean="0"/>
+              <a:t>・</a:t>
+            </a:r>
+            <a:r>
+              <a:rPr kumimoji="1" lang="en-US" altLang="ja-JP" dirty="0" smtClean="0"/>
+              <a:t>2</a:t>
+            </a:r>
+            <a:r>
+              <a:rPr kumimoji="1" lang="ja-JP" altLang="en-US" dirty="0" smtClean="0"/>
+              <a:t>ボタンでゲームシーン移行。</a:t>
+            </a:r>
+            <a:endParaRPr kumimoji="1" lang="ja-JP" altLang="en-US" dirty="0"/>
+          </a:p>
+        </p:txBody>
+      </p:sp>
+      <p:sp>
+        <p:nvSpPr>
+          <p:cNvPr id="4" name="タイトル 1"/>
+          <p:cNvSpPr>
+            <a:spLocks noGrp="1"/>
+          </p:cNvSpPr>
+          <p:nvPr>
+            <p:ph type="title"/>
+          </p:nvPr>
+        </p:nvSpPr>
+        <p:spPr>
+          <a:xfrm>
+            <a:off x="855785" y="312370"/>
             <a:ext cx="3496408" cy="1325563"/>
           </a:xfrm>
         </p:spPr>
@@ -4035,393 +3545,7 @@
     </p:spTree>
     <p:extLst>
       <p:ext uri="{BB962C8B-B14F-4D97-AF65-F5344CB8AC3E}">
-        <p14:creationId xmlns:p14="http://schemas.microsoft.com/office/powerpoint/2010/main" val="4210589124"/>
-      </p:ext>
-    </p:extLst>
-  </p:cSld>
-  <p:clrMapOvr>
-    <a:masterClrMapping/>
-  </p:clrMapOvr>
-</p:sld>
-</file>
-
-<file path=ppt/slides/slide20.xml><?xml version="1.0" encoding="utf-8"?>
-<p:sld xmlns:a="http://schemas.openxmlformats.org/drawingml/2006/main" xmlns:r="http://schemas.openxmlformats.org/officeDocument/2006/relationships" xmlns:p="http://schemas.openxmlformats.org/presentationml/2006/main">
-  <p:cSld>
-    <p:spTree>
-      <p:nvGrpSpPr>
-        <p:cNvPr id="1" name=""/>
-        <p:cNvGrpSpPr/>
-        <p:nvPr/>
-      </p:nvGrpSpPr>
-      <p:grpSpPr>
-        <a:xfrm>
-          <a:off x="0" y="0"/>
-          <a:ext cx="0" cy="0"/>
-          <a:chOff x="0" y="0"/>
-          <a:chExt cx="0" cy="0"/>
-        </a:xfrm>
-      </p:grpSpPr>
-      <p:sp>
-        <p:nvSpPr>
-          <p:cNvPr id="2" name="タイトル 1"/>
-          <p:cNvSpPr>
-            <a:spLocks noGrp="1"/>
-          </p:cNvSpPr>
-          <p:nvPr>
-            <p:ph type="title"/>
-          </p:nvPr>
-        </p:nvSpPr>
-        <p:spPr/>
-        <p:txBody>
-          <a:bodyPr/>
-          <a:lstStyle/>
-          <a:p>
-            <a:r>
-              <a:rPr kumimoji="1" lang="ja-JP" altLang="en-US" dirty="0" smtClean="0"/>
-              <a:t>アイテム３</a:t>
-            </a:r>
-            <a:endParaRPr kumimoji="1" lang="ja-JP" altLang="en-US" dirty="0"/>
-          </a:p>
-        </p:txBody>
-      </p:sp>
-      <p:sp>
-        <p:nvSpPr>
-          <p:cNvPr id="3" name="コンテンツ プレースホルダー 2"/>
-          <p:cNvSpPr>
-            <a:spLocks noGrp="1"/>
-          </p:cNvSpPr>
-          <p:nvPr>
-            <p:ph idx="1"/>
-          </p:nvPr>
-        </p:nvSpPr>
-        <p:spPr/>
-        <p:txBody>
-          <a:bodyPr/>
-          <a:lstStyle/>
-          <a:p>
-            <a:endParaRPr kumimoji="1" lang="ja-JP" altLang="en-US"/>
-          </a:p>
-        </p:txBody>
-      </p:sp>
-    </p:spTree>
-    <p:extLst>
-      <p:ext uri="{BB962C8B-B14F-4D97-AF65-F5344CB8AC3E}">
-        <p14:creationId xmlns:p14="http://schemas.microsoft.com/office/powerpoint/2010/main" val="2900937845"/>
-      </p:ext>
-    </p:extLst>
-  </p:cSld>
-  <p:clrMapOvr>
-    <a:masterClrMapping/>
-  </p:clrMapOvr>
-</p:sld>
-</file>
-
-<file path=ppt/slides/slide21.xml><?xml version="1.0" encoding="utf-8"?>
-<p:sld xmlns:a="http://schemas.openxmlformats.org/drawingml/2006/main" xmlns:r="http://schemas.openxmlformats.org/officeDocument/2006/relationships" xmlns:p="http://schemas.openxmlformats.org/presentationml/2006/main">
-  <p:cSld>
-    <p:spTree>
-      <p:nvGrpSpPr>
-        <p:cNvPr id="1" name=""/>
-        <p:cNvGrpSpPr/>
-        <p:nvPr/>
-      </p:nvGrpSpPr>
-      <p:grpSpPr>
-        <a:xfrm>
-          <a:off x="0" y="0"/>
-          <a:ext cx="0" cy="0"/>
-          <a:chOff x="0" y="0"/>
-          <a:chExt cx="0" cy="0"/>
-        </a:xfrm>
-      </p:grpSpPr>
-      <p:sp>
-        <p:nvSpPr>
-          <p:cNvPr id="2" name="タイトル 1"/>
-          <p:cNvSpPr>
-            <a:spLocks noGrp="1"/>
-          </p:cNvSpPr>
-          <p:nvPr>
-            <p:ph type="title"/>
-          </p:nvPr>
-        </p:nvSpPr>
-        <p:spPr/>
-        <p:txBody>
-          <a:bodyPr/>
-          <a:lstStyle/>
-          <a:p>
-            <a:r>
-              <a:rPr kumimoji="1" lang="ja-JP" altLang="en-US" dirty="0" smtClean="0"/>
-              <a:t>アイテム４</a:t>
-            </a:r>
-            <a:endParaRPr kumimoji="1" lang="ja-JP" altLang="en-US" dirty="0"/>
-          </a:p>
-        </p:txBody>
-      </p:sp>
-      <p:sp>
-        <p:nvSpPr>
-          <p:cNvPr id="3" name="コンテンツ プレースホルダー 2"/>
-          <p:cNvSpPr>
-            <a:spLocks noGrp="1"/>
-          </p:cNvSpPr>
-          <p:nvPr>
-            <p:ph idx="1"/>
-          </p:nvPr>
-        </p:nvSpPr>
-        <p:spPr/>
-        <p:txBody>
-          <a:bodyPr/>
-          <a:lstStyle/>
-          <a:p>
-            <a:endParaRPr kumimoji="1" lang="ja-JP" altLang="en-US"/>
-          </a:p>
-        </p:txBody>
-      </p:sp>
-    </p:spTree>
-    <p:extLst>
-      <p:ext uri="{BB962C8B-B14F-4D97-AF65-F5344CB8AC3E}">
-        <p14:creationId xmlns:p14="http://schemas.microsoft.com/office/powerpoint/2010/main" val="3367971758"/>
-      </p:ext>
-    </p:extLst>
-  </p:cSld>
-  <p:clrMapOvr>
-    <a:masterClrMapping/>
-  </p:clrMapOvr>
-</p:sld>
-</file>
-
-<file path=ppt/slides/slide22.xml><?xml version="1.0" encoding="utf-8"?>
-<p:sld xmlns:a="http://schemas.openxmlformats.org/drawingml/2006/main" xmlns:r="http://schemas.openxmlformats.org/officeDocument/2006/relationships" xmlns:p="http://schemas.openxmlformats.org/presentationml/2006/main">
-  <p:cSld>
-    <p:spTree>
-      <p:nvGrpSpPr>
-        <p:cNvPr id="1" name=""/>
-        <p:cNvGrpSpPr/>
-        <p:nvPr/>
-      </p:nvGrpSpPr>
-      <p:grpSpPr>
-        <a:xfrm>
-          <a:off x="0" y="0"/>
-          <a:ext cx="0" cy="0"/>
-          <a:chOff x="0" y="0"/>
-          <a:chExt cx="0" cy="0"/>
-        </a:xfrm>
-      </p:grpSpPr>
-      <p:sp>
-        <p:nvSpPr>
-          <p:cNvPr id="2" name="タイトル 1"/>
-          <p:cNvSpPr>
-            <a:spLocks noGrp="1"/>
-          </p:cNvSpPr>
-          <p:nvPr>
-            <p:ph type="title"/>
-          </p:nvPr>
-        </p:nvSpPr>
-        <p:spPr>
-          <a:xfrm>
-            <a:off x="3853962" y="2783009"/>
-            <a:ext cx="3496408" cy="1325563"/>
-          </a:xfrm>
-        </p:spPr>
-        <p:txBody>
-          <a:bodyPr/>
-          <a:lstStyle/>
-          <a:p>
-            <a:r>
-              <a:rPr kumimoji="1" lang="en-US" altLang="ja-JP" dirty="0" smtClean="0"/>
-              <a:t>UI</a:t>
-            </a:r>
-            <a:endParaRPr kumimoji="1" lang="ja-JP" altLang="en-US" dirty="0"/>
-          </a:p>
-        </p:txBody>
-      </p:sp>
-    </p:spTree>
-    <p:extLst>
-      <p:ext uri="{BB962C8B-B14F-4D97-AF65-F5344CB8AC3E}">
-        <p14:creationId xmlns:p14="http://schemas.microsoft.com/office/powerpoint/2010/main" val="736254121"/>
-      </p:ext>
-    </p:extLst>
-  </p:cSld>
-  <p:clrMapOvr>
-    <a:masterClrMapping/>
-  </p:clrMapOvr>
-</p:sld>
-</file>
-
-<file path=ppt/slides/slide23.xml><?xml version="1.0" encoding="utf-8"?>
-<p:sld xmlns:a="http://schemas.openxmlformats.org/drawingml/2006/main" xmlns:r="http://schemas.openxmlformats.org/officeDocument/2006/relationships" xmlns:p="http://schemas.openxmlformats.org/presentationml/2006/main">
-  <p:cSld>
-    <p:spTree>
-      <p:nvGrpSpPr>
-        <p:cNvPr id="1" name=""/>
-        <p:cNvGrpSpPr/>
-        <p:nvPr/>
-      </p:nvGrpSpPr>
-      <p:grpSpPr>
-        <a:xfrm>
-          <a:off x="0" y="0"/>
-          <a:ext cx="0" cy="0"/>
-          <a:chOff x="0" y="0"/>
-          <a:chExt cx="0" cy="0"/>
-        </a:xfrm>
-      </p:grpSpPr>
-      <p:sp>
-        <p:nvSpPr>
-          <p:cNvPr id="2" name="タイトル 1"/>
-          <p:cNvSpPr>
-            <a:spLocks noGrp="1"/>
-          </p:cNvSpPr>
-          <p:nvPr>
-            <p:ph type="title"/>
-          </p:nvPr>
-        </p:nvSpPr>
-        <p:spPr/>
-        <p:txBody>
-          <a:bodyPr/>
-          <a:lstStyle/>
-          <a:p>
-            <a:endParaRPr kumimoji="1" lang="ja-JP" altLang="en-US"/>
-          </a:p>
-        </p:txBody>
-      </p:sp>
-      <p:sp>
-        <p:nvSpPr>
-          <p:cNvPr id="3" name="コンテンツ プレースホルダー 2"/>
-          <p:cNvSpPr>
-            <a:spLocks noGrp="1"/>
-          </p:cNvSpPr>
-          <p:nvPr>
-            <p:ph idx="1"/>
-          </p:nvPr>
-        </p:nvSpPr>
-        <p:spPr/>
-        <p:txBody>
-          <a:bodyPr/>
-          <a:lstStyle/>
-          <a:p>
-            <a:endParaRPr kumimoji="1" lang="ja-JP" altLang="en-US"/>
-          </a:p>
-        </p:txBody>
-      </p:sp>
-    </p:spTree>
-    <p:extLst>
-      <p:ext uri="{BB962C8B-B14F-4D97-AF65-F5344CB8AC3E}">
-        <p14:creationId xmlns:p14="http://schemas.microsoft.com/office/powerpoint/2010/main" val="2927900658"/>
-      </p:ext>
-    </p:extLst>
-  </p:cSld>
-  <p:clrMapOvr>
-    <a:masterClrMapping/>
-  </p:clrMapOvr>
-</p:sld>
-</file>
-
-<file path=ppt/slides/slide24.xml><?xml version="1.0" encoding="utf-8"?>
-<p:sld xmlns:a="http://schemas.openxmlformats.org/drawingml/2006/main" xmlns:r="http://schemas.openxmlformats.org/officeDocument/2006/relationships" xmlns:p="http://schemas.openxmlformats.org/presentationml/2006/main">
-  <p:cSld>
-    <p:spTree>
-      <p:nvGrpSpPr>
-        <p:cNvPr id="1" name=""/>
-        <p:cNvGrpSpPr/>
-        <p:nvPr/>
-      </p:nvGrpSpPr>
-      <p:grpSpPr>
-        <a:xfrm>
-          <a:off x="0" y="0"/>
-          <a:ext cx="0" cy="0"/>
-          <a:chOff x="0" y="0"/>
-          <a:chExt cx="0" cy="0"/>
-        </a:xfrm>
-      </p:grpSpPr>
-      <p:sp>
-        <p:nvSpPr>
-          <p:cNvPr id="2" name="タイトル 1"/>
-          <p:cNvSpPr>
-            <a:spLocks noGrp="1"/>
-          </p:cNvSpPr>
-          <p:nvPr>
-            <p:ph type="title"/>
-          </p:nvPr>
-        </p:nvSpPr>
-        <p:spPr>
-          <a:xfrm>
-            <a:off x="3853962" y="2783009"/>
-            <a:ext cx="3496408" cy="1325563"/>
-          </a:xfrm>
-        </p:spPr>
-        <p:txBody>
-          <a:bodyPr/>
-          <a:lstStyle/>
-          <a:p>
-            <a:r>
-              <a:rPr kumimoji="1" lang="ja-JP" altLang="en-US" dirty="0" smtClean="0"/>
-              <a:t>リザルト</a:t>
-            </a:r>
-            <a:endParaRPr kumimoji="1" lang="ja-JP" altLang="en-US" dirty="0"/>
-          </a:p>
-        </p:txBody>
-      </p:sp>
-    </p:spTree>
-    <p:extLst>
-      <p:ext uri="{BB962C8B-B14F-4D97-AF65-F5344CB8AC3E}">
-        <p14:creationId xmlns:p14="http://schemas.microsoft.com/office/powerpoint/2010/main" val="2394615853"/>
-      </p:ext>
-    </p:extLst>
-  </p:cSld>
-  <p:clrMapOvr>
-    <a:masterClrMapping/>
-  </p:clrMapOvr>
-</p:sld>
-</file>
-
-<file path=ppt/slides/slide25.xml><?xml version="1.0" encoding="utf-8"?>
-<p:sld xmlns:a="http://schemas.openxmlformats.org/drawingml/2006/main" xmlns:r="http://schemas.openxmlformats.org/officeDocument/2006/relationships" xmlns:p="http://schemas.openxmlformats.org/presentationml/2006/main">
-  <p:cSld>
-    <p:spTree>
-      <p:nvGrpSpPr>
-        <p:cNvPr id="1" name=""/>
-        <p:cNvGrpSpPr/>
-        <p:nvPr/>
-      </p:nvGrpSpPr>
-      <p:grpSpPr>
-        <a:xfrm>
-          <a:off x="0" y="0"/>
-          <a:ext cx="0" cy="0"/>
-          <a:chOff x="0" y="0"/>
-          <a:chExt cx="0" cy="0"/>
-        </a:xfrm>
-      </p:grpSpPr>
-      <p:sp>
-        <p:nvSpPr>
-          <p:cNvPr id="2" name="タイトル 1"/>
-          <p:cNvSpPr>
-            <a:spLocks noGrp="1"/>
-          </p:cNvSpPr>
-          <p:nvPr>
-            <p:ph type="title"/>
-          </p:nvPr>
-        </p:nvSpPr>
-        <p:spPr>
-          <a:xfrm>
-            <a:off x="3853962" y="2783009"/>
-            <a:ext cx="3496408" cy="1325563"/>
-          </a:xfrm>
-        </p:spPr>
-        <p:txBody>
-          <a:bodyPr/>
-          <a:lstStyle/>
-          <a:p>
-            <a:r>
-              <a:rPr kumimoji="1" lang="ja-JP" altLang="en-US" dirty="0" smtClean="0"/>
-              <a:t>プレイヤー</a:t>
-            </a:r>
-            <a:endParaRPr kumimoji="1" lang="ja-JP" altLang="en-US" dirty="0"/>
-          </a:p>
-        </p:txBody>
-      </p:sp>
-    </p:spTree>
-    <p:extLst>
-      <p:ext uri="{BB962C8B-B14F-4D97-AF65-F5344CB8AC3E}">
-        <p14:creationId xmlns:p14="http://schemas.microsoft.com/office/powerpoint/2010/main" val="3213886673"/>
+        <p14:creationId xmlns:p14="http://schemas.microsoft.com/office/powerpoint/2010/main" val="1953251070"/>
       </p:ext>
     </p:extLst>
   </p:cSld>
@@ -4460,12 +3584,14 @@
         </p:nvSpPr>
         <p:spPr>
           <a:xfrm>
-            <a:off x="838200" y="597877"/>
-            <a:ext cx="10515600" cy="5579086"/>
+            <a:off x="811822" y="1881554"/>
+            <a:ext cx="10515600" cy="3270737"/>
           </a:xfrm>
         </p:spPr>
         <p:txBody>
-          <a:bodyPr/>
+          <a:bodyPr>
+            <a:noAutofit/>
+          </a:bodyPr>
           <a:lstStyle/>
           <a:p>
             <a:pPr marL="0" indent="0">
@@ -4473,15 +3599,119 @@
             </a:pPr>
             <a:r>
               <a:rPr kumimoji="1" lang="ja-JP" altLang="en-US" dirty="0" smtClean="0"/>
+              <a:t>・キャラクター動作として</a:t>
+            </a:r>
+            <a:r>
+              <a:rPr lang="ja-JP" altLang="en-US" dirty="0" smtClean="0"/>
+              <a:t>基本</a:t>
+            </a:r>
+            <a:r>
+              <a:rPr kumimoji="1" lang="ja-JP" altLang="en-US" dirty="0" smtClean="0"/>
+              <a:t>移動、ジャンプ、しゃがみ、</a:t>
+            </a:r>
+            <a:endParaRPr kumimoji="1" lang="en-US" altLang="ja-JP" dirty="0" smtClean="0"/>
+          </a:p>
+          <a:p>
+            <a:pPr marL="0" indent="0">
+              <a:buNone/>
+            </a:pPr>
+            <a:r>
+              <a:rPr lang="ja-JP" altLang="en-US" dirty="0" smtClean="0"/>
+              <a:t>　</a:t>
+            </a:r>
+            <a:r>
+              <a:rPr kumimoji="1" lang="ja-JP" altLang="en-US" dirty="0" smtClean="0"/>
+              <a:t>近接攻撃</a:t>
+            </a:r>
+            <a:r>
+              <a:rPr kumimoji="1" lang="en-US" altLang="ja-JP" dirty="0" smtClean="0"/>
+              <a:t>(3</a:t>
+            </a:r>
+            <a:r>
+              <a:rPr kumimoji="1" lang="ja-JP" altLang="en-US" dirty="0" smtClean="0"/>
+              <a:t>コンボ</a:t>
+            </a:r>
+            <a:r>
+              <a:rPr kumimoji="1" lang="en-US" altLang="ja-JP" dirty="0" smtClean="0"/>
+              <a:t>)</a:t>
+            </a:r>
+            <a:r>
+              <a:rPr kumimoji="1" lang="ja-JP" altLang="en-US" dirty="0" err="1" smtClean="0"/>
+              <a:t>、</a:t>
+            </a:r>
+            <a:r>
+              <a:rPr kumimoji="1" lang="ja-JP" altLang="en-US" dirty="0" smtClean="0"/>
+              <a:t>遠距離攻撃、必殺技攻撃ができる。</a:t>
+            </a:r>
+            <a:endParaRPr lang="en-US" altLang="ja-JP" dirty="0"/>
+          </a:p>
+          <a:p>
+            <a:pPr marL="0" indent="0">
+              <a:buNone/>
+            </a:pPr>
+            <a:r>
+              <a:rPr lang="ja-JP" altLang="en-US" dirty="0"/>
               <a:t>・</a:t>
             </a:r>
             <a:r>
-              <a:rPr kumimoji="1" lang="en-US" altLang="ja-JP" dirty="0" smtClean="0"/>
-              <a:t>title</a:t>
-            </a:r>
-            <a:r>
               <a:rPr lang="ja-JP" altLang="en-US" dirty="0" smtClean="0"/>
-              <a:t>とロゴを表示し、</a:t>
+              <a:t>必殺技はゲージが溜まると使えるようになり、カットインが入り広範囲に大ダメージを与える。</a:t>
+            </a:r>
+            <a:endParaRPr lang="en-US" altLang="ja-JP" dirty="0" smtClean="0"/>
+          </a:p>
+          <a:p>
+            <a:pPr marL="0" indent="0">
+              <a:buNone/>
+            </a:pPr>
+            <a:r>
+              <a:rPr kumimoji="1" lang="ja-JP" altLang="en-US" dirty="0" smtClean="0"/>
+              <a:t>・ダメージを受けると一定時間無敵状態になる。</a:t>
+            </a:r>
+            <a:endParaRPr kumimoji="1" lang="en-US" altLang="ja-JP" dirty="0" smtClean="0"/>
+          </a:p>
+          <a:p>
+            <a:pPr marL="0" indent="0">
+              <a:buNone/>
+            </a:pPr>
+            <a:r>
+              <a:rPr lang="ja-JP" altLang="en-US" dirty="0" smtClean="0"/>
+              <a:t>・</a:t>
+            </a:r>
+            <a:r>
+              <a:rPr lang="en-US" altLang="ja-JP" dirty="0" smtClean="0"/>
+              <a:t>HP0</a:t>
+            </a:r>
+            <a:r>
+              <a:rPr lang="ja-JP" altLang="en-US" dirty="0" smtClean="0"/>
+              <a:t>時にゲームオーバーシーン移行</a:t>
+            </a:r>
+            <a:endParaRPr kumimoji="1" lang="en-US" altLang="ja-JP" dirty="0" smtClean="0"/>
+          </a:p>
+        </p:txBody>
+      </p:sp>
+      <p:sp>
+        <p:nvSpPr>
+          <p:cNvPr id="4" name="タイトル 1"/>
+          <p:cNvSpPr>
+            <a:spLocks noGrp="1"/>
+          </p:cNvSpPr>
+          <p:nvPr>
+            <p:ph type="title"/>
+          </p:nvPr>
+        </p:nvSpPr>
+        <p:spPr>
+          <a:xfrm>
+            <a:off x="864578" y="391501"/>
+            <a:ext cx="3496408" cy="1325563"/>
+          </a:xfrm>
+        </p:spPr>
+        <p:txBody>
+          <a:bodyPr/>
+          <a:lstStyle/>
+          <a:p>
+            <a:r>
+              <a:rPr kumimoji="1" lang="ja-JP" altLang="en-US" dirty="0" smtClean="0"/>
+              <a:t>プレイヤー</a:t>
             </a:r>
             <a:endParaRPr kumimoji="1" lang="ja-JP" altLang="en-US" dirty="0"/>
           </a:p>
@@ -4490,7 +3720,7 @@
     </p:spTree>
     <p:extLst>
       <p:ext uri="{BB962C8B-B14F-4D97-AF65-F5344CB8AC3E}">
-        <p14:creationId xmlns:p14="http://schemas.microsoft.com/office/powerpoint/2010/main" val="1953251070"/>
+        <p14:creationId xmlns:p14="http://schemas.microsoft.com/office/powerpoint/2010/main" val="2785603994"/>
       </p:ext>
     </p:extLst>
   </p:cSld>
@@ -4519,17 +3749,100 @@
       </p:grpSpPr>
       <p:sp>
         <p:nvSpPr>
-          <p:cNvPr id="2" name="タイトル 1"/>
-          <p:cNvSpPr>
-            <a:spLocks noGrp="1"/>
-          </p:cNvSpPr>
-          <p:nvPr>
-            <p:ph type="title"/>
+          <p:cNvPr id="3" name="コンテンツ プレースホルダー 2"/>
+          <p:cNvSpPr>
+            <a:spLocks noGrp="1"/>
+          </p:cNvSpPr>
+          <p:nvPr>
+            <p:ph idx="1"/>
           </p:nvPr>
         </p:nvSpPr>
         <p:spPr>
           <a:xfrm>
-            <a:off x="3853962" y="2783009"/>
+            <a:off x="829408" y="1670537"/>
+            <a:ext cx="10515600" cy="3006970"/>
+          </a:xfrm>
+        </p:spPr>
+        <p:txBody>
+          <a:bodyPr>
+            <a:normAutofit/>
+          </a:bodyPr>
+          <a:lstStyle/>
+          <a:p>
+            <a:r>
+              <a:rPr lang="ja-JP" altLang="en-US" dirty="0" smtClean="0"/>
+              <a:t>敵は全部で</a:t>
+            </a:r>
+            <a:r>
+              <a:rPr lang="en-US" altLang="ja-JP" dirty="0" smtClean="0"/>
+              <a:t>5</a:t>
+            </a:r>
+            <a:r>
+              <a:rPr lang="ja-JP" altLang="en-US" dirty="0" smtClean="0"/>
+              <a:t>種類で、提灯、だるま、狐火、カマイタチ、ぬりかべ。</a:t>
+            </a:r>
+            <a:endParaRPr lang="en-US" altLang="ja-JP" dirty="0" smtClean="0"/>
+          </a:p>
+          <a:p>
+            <a:r>
+              <a:rPr kumimoji="1" lang="ja-JP" altLang="en-US" dirty="0" smtClean="0"/>
+              <a:t>種類別に特定の移動</a:t>
+            </a:r>
+            <a:r>
+              <a:rPr kumimoji="1" lang="en-US" altLang="ja-JP" dirty="0" smtClean="0"/>
+              <a:t>AI</a:t>
+            </a:r>
+            <a:r>
+              <a:rPr kumimoji="1" lang="ja-JP" altLang="en-US" dirty="0" smtClean="0"/>
+              <a:t>を実装する。</a:t>
+            </a:r>
+            <a:endParaRPr kumimoji="1" lang="en-US" altLang="ja-JP" dirty="0" smtClean="0"/>
+          </a:p>
+          <a:p>
+            <a:r>
+              <a:rPr kumimoji="1" lang="ja-JP" altLang="en-US" dirty="0" smtClean="0"/>
+              <a:t>プレイヤーに近づいたら攻撃</a:t>
+            </a:r>
+            <a:r>
+              <a:rPr lang="ja-JP" altLang="en-US" dirty="0" smtClean="0"/>
+              <a:t>をして、逆にプレイヤーに攻撃されて</a:t>
+            </a:r>
+            <a:r>
+              <a:rPr lang="en-US" altLang="ja-JP" dirty="0" smtClean="0"/>
+              <a:t>HP</a:t>
+            </a:r>
+            <a:r>
+              <a:rPr lang="ja-JP" altLang="en-US" dirty="0" smtClean="0"/>
+              <a:t>が</a:t>
+            </a:r>
+            <a:r>
+              <a:rPr lang="en-US" altLang="ja-JP" dirty="0" smtClean="0"/>
+              <a:t>0</a:t>
+            </a:r>
+            <a:r>
+              <a:rPr lang="ja-JP" altLang="en-US" dirty="0" smtClean="0"/>
+              <a:t>になった場合は消える。</a:t>
+            </a:r>
+            <a:endParaRPr lang="en-US" altLang="ja-JP" dirty="0" smtClean="0"/>
+          </a:p>
+          <a:p>
+            <a:endParaRPr lang="en-US" altLang="ja-JP" sz="2400" dirty="0" smtClean="0"/>
+          </a:p>
+        </p:txBody>
+      </p:sp>
+      <p:sp>
+        <p:nvSpPr>
+          <p:cNvPr id="4" name="タイトル 1"/>
+          <p:cNvSpPr>
+            <a:spLocks noGrp="1"/>
+          </p:cNvSpPr>
+          <p:nvPr>
+            <p:ph type="title"/>
+          </p:nvPr>
+        </p:nvSpPr>
+        <p:spPr>
+          <a:xfrm>
+            <a:off x="829408" y="277201"/>
             <a:ext cx="3496408" cy="1325563"/>
           </a:xfrm>
         </p:spPr>
@@ -4539,7 +3852,7 @@
           <a:p>
             <a:r>
               <a:rPr kumimoji="1" lang="ja-JP" altLang="en-US" dirty="0" smtClean="0"/>
-              <a:t>プレイヤー</a:t>
+              <a:t>エネミー</a:t>
             </a:r>
             <a:endParaRPr kumimoji="1" lang="ja-JP" altLang="en-US" dirty="0"/>
           </a:p>
@@ -4548,7 +3861,7 @@
     </p:spTree>
     <p:extLst>
       <p:ext uri="{BB962C8B-B14F-4D97-AF65-F5344CB8AC3E}">
-        <p14:creationId xmlns:p14="http://schemas.microsoft.com/office/powerpoint/2010/main" val="706269920"/>
+        <p14:creationId xmlns:p14="http://schemas.microsoft.com/office/powerpoint/2010/main" val="1696304617"/>
       </p:ext>
     </p:extLst>
   </p:cSld>
@@ -4587,8 +3900,8 @@
         </p:nvSpPr>
         <p:spPr>
           <a:xfrm>
-            <a:off x="838200" y="228600"/>
-            <a:ext cx="10515600" cy="5948363"/>
+            <a:off x="829408" y="1354016"/>
+            <a:ext cx="10515600" cy="3006970"/>
           </a:xfrm>
         </p:spPr>
         <p:txBody>
@@ -4597,14 +3910,85 @@
           </a:bodyPr>
           <a:lstStyle/>
           <a:p>
-            <a:endParaRPr kumimoji="1" lang="en-US" altLang="ja-JP" sz="2400" dirty="0" smtClean="0"/>
+            <a:r>
+              <a:rPr lang="ja-JP" altLang="en-US" sz="2400" dirty="0" smtClean="0"/>
+              <a:t>頭、両腕、尻尾を固定挙動で表示させる</a:t>
+            </a:r>
+            <a:endParaRPr lang="en-US" altLang="ja-JP" sz="2400" dirty="0" smtClean="0"/>
+          </a:p>
+          <a:p>
+            <a:r>
+              <a:rPr lang="ja-JP" altLang="en-US" sz="2400" dirty="0" smtClean="0"/>
+              <a:t>攻撃種類</a:t>
+            </a:r>
+            <a:endParaRPr lang="en-US" altLang="ja-JP" sz="2400" dirty="0" smtClean="0"/>
+          </a:p>
+          <a:p>
+            <a:pPr marL="0" indent="0">
+              <a:buNone/>
+            </a:pPr>
+            <a:r>
+              <a:rPr lang="ja-JP" altLang="en-US" sz="2400" dirty="0"/>
+              <a:t>　</a:t>
+            </a:r>
+            <a:r>
+              <a:rPr lang="ja-JP" altLang="en-US" sz="2400" dirty="0" smtClean="0"/>
+              <a:t>横ブレス、広範囲ビーム、尻尾薙ぎ払い、連続ひっかき、噛みつき</a:t>
+            </a:r>
+            <a:endParaRPr lang="en-US" altLang="ja-JP" sz="2400" dirty="0" smtClean="0"/>
+          </a:p>
+          <a:p>
+            <a:pPr marL="0" indent="0">
+              <a:buNone/>
+            </a:pPr>
+            <a:r>
+              <a:rPr lang="ja-JP" altLang="en-US" sz="2400" dirty="0" smtClean="0"/>
+              <a:t>・</a:t>
+            </a:r>
+            <a:r>
+              <a:rPr lang="en-US" altLang="ja-JP" sz="2400" dirty="0" smtClean="0"/>
+              <a:t>HP0</a:t>
+            </a:r>
+            <a:r>
+              <a:rPr lang="ja-JP" altLang="en-US" sz="2400" dirty="0" smtClean="0"/>
+              <a:t>時に死亡し、ゲームクリアシーン移行</a:t>
+            </a:r>
+            <a:endParaRPr lang="en-US" altLang="ja-JP" sz="2400" dirty="0" smtClean="0"/>
+          </a:p>
+        </p:txBody>
+      </p:sp>
+      <p:sp>
+        <p:nvSpPr>
+          <p:cNvPr id="4" name="タイトル 1"/>
+          <p:cNvSpPr>
+            <a:spLocks noGrp="1"/>
+          </p:cNvSpPr>
+          <p:nvPr>
+            <p:ph type="title"/>
+          </p:nvPr>
+        </p:nvSpPr>
+        <p:spPr>
+          <a:xfrm>
+            <a:off x="829408" y="277202"/>
+            <a:ext cx="3496408" cy="1076814"/>
+          </a:xfrm>
+        </p:spPr>
+        <p:txBody>
+          <a:bodyPr/>
+          <a:lstStyle/>
+          <a:p>
+            <a:r>
+              <a:rPr kumimoji="1" lang="ja-JP" altLang="en-US" dirty="0" smtClean="0"/>
+              <a:t>ボス</a:t>
+            </a:r>
+            <a:endParaRPr kumimoji="1" lang="ja-JP" altLang="en-US" dirty="0"/>
           </a:p>
         </p:txBody>
       </p:sp>
     </p:spTree>
     <p:extLst>
       <p:ext uri="{BB962C8B-B14F-4D97-AF65-F5344CB8AC3E}">
-        <p14:creationId xmlns:p14="http://schemas.microsoft.com/office/powerpoint/2010/main" val="2785603994"/>
+        <p14:creationId xmlns:p14="http://schemas.microsoft.com/office/powerpoint/2010/main" val="1749568051"/>
       </p:ext>
     </p:extLst>
   </p:cSld>
@@ -4633,17 +4017,74 @@
       </p:grpSpPr>
       <p:sp>
         <p:nvSpPr>
-          <p:cNvPr id="2" name="タイトル 1"/>
-          <p:cNvSpPr>
-            <a:spLocks noGrp="1"/>
-          </p:cNvSpPr>
-          <p:nvPr>
-            <p:ph type="title"/>
+          <p:cNvPr id="3" name="コンテンツ プレースホルダー 2"/>
+          <p:cNvSpPr>
+            <a:spLocks noGrp="1"/>
+          </p:cNvSpPr>
+          <p:nvPr>
+            <p:ph idx="1"/>
           </p:nvPr>
         </p:nvSpPr>
         <p:spPr>
           <a:xfrm>
-            <a:off x="3853962" y="2783009"/>
+            <a:off x="855784" y="1485899"/>
+            <a:ext cx="10515600" cy="3596055"/>
+          </a:xfrm>
+        </p:spPr>
+        <p:txBody>
+          <a:bodyPr/>
+          <a:lstStyle/>
+          <a:p>
+            <a:r>
+              <a:rPr kumimoji="1" lang="ja-JP" altLang="en-US" dirty="0" smtClean="0"/>
+              <a:t>マップは背景と地面を別々に表示させ、若干スクロール値をずらしながら表示させる。</a:t>
+            </a:r>
+            <a:endParaRPr kumimoji="1" lang="en-US" altLang="ja-JP" dirty="0" smtClean="0"/>
+          </a:p>
+          <a:p>
+            <a:r>
+              <a:rPr lang="ja-JP" altLang="en-US" dirty="0" smtClean="0"/>
+              <a:t>マップの横はループして表示させる。</a:t>
+            </a:r>
+            <a:endParaRPr lang="en-US" altLang="ja-JP" dirty="0" smtClean="0"/>
+          </a:p>
+          <a:p>
+            <a:r>
+              <a:rPr kumimoji="1" lang="ja-JP" altLang="en-US" dirty="0" smtClean="0"/>
+              <a:t>お寺の</a:t>
+            </a:r>
+            <a:r>
+              <a:rPr lang="ja-JP" altLang="en-US" dirty="0" smtClean="0"/>
+              <a:t>屋根</a:t>
+            </a:r>
+            <a:r>
+              <a:rPr lang="ja-JP" altLang="en-US" dirty="0" smtClean="0"/>
+              <a:t>や灯篭の上などには乗れるようにする。</a:t>
+            </a:r>
+            <a:endParaRPr lang="en-US" altLang="ja-JP" dirty="0" smtClean="0"/>
+          </a:p>
+          <a:p>
+            <a:r>
+              <a:rPr kumimoji="1" lang="ja-JP" altLang="en-US" dirty="0" smtClean="0"/>
+              <a:t>ボス部屋は普通に表示させるが、プレイヤーが乗れる場所は、乗れると分かりやすいように表示する。</a:t>
+            </a:r>
+            <a:endParaRPr kumimoji="1" lang="ja-JP" altLang="en-US" dirty="0"/>
+          </a:p>
+        </p:txBody>
+      </p:sp>
+      <p:sp>
+        <p:nvSpPr>
+          <p:cNvPr id="5" name="タイトル 1"/>
+          <p:cNvSpPr>
+            <a:spLocks noGrp="1"/>
+          </p:cNvSpPr>
+          <p:nvPr>
+            <p:ph type="title"/>
+          </p:nvPr>
+        </p:nvSpPr>
+        <p:spPr>
+          <a:xfrm>
+            <a:off x="759069" y="160336"/>
             <a:ext cx="3496408" cy="1325563"/>
           </a:xfrm>
         </p:spPr>
@@ -4653,7 +4094,7 @@
           <a:p>
             <a:r>
               <a:rPr kumimoji="1" lang="ja-JP" altLang="en-US" dirty="0" smtClean="0"/>
-              <a:t>エネミー</a:t>
+              <a:t>マップ</a:t>
             </a:r>
             <a:endParaRPr kumimoji="1" lang="ja-JP" altLang="en-US" dirty="0"/>
           </a:p>
@@ -4662,7 +4103,7 @@
     </p:spTree>
     <p:extLst>
       <p:ext uri="{BB962C8B-B14F-4D97-AF65-F5344CB8AC3E}">
-        <p14:creationId xmlns:p14="http://schemas.microsoft.com/office/powerpoint/2010/main" val="1109867193"/>
+        <p14:creationId xmlns:p14="http://schemas.microsoft.com/office/powerpoint/2010/main" val="3439715174"/>
       </p:ext>
     </p:extLst>
   </p:cSld>
@@ -4691,7 +4132,76 @@
       </p:grpSpPr>
       <p:sp>
         <p:nvSpPr>
-          <p:cNvPr id="2" name="タイトル 1"/>
+          <p:cNvPr id="3" name="コンテンツ プレースホルダー 2"/>
+          <p:cNvSpPr>
+            <a:spLocks noGrp="1"/>
+          </p:cNvSpPr>
+          <p:nvPr>
+            <p:ph idx="1"/>
+          </p:nvPr>
+        </p:nvSpPr>
+        <p:spPr>
+          <a:xfrm>
+            <a:off x="794238" y="1820008"/>
+            <a:ext cx="10515600" cy="2268416"/>
+          </a:xfrm>
+        </p:spPr>
+        <p:txBody>
+          <a:bodyPr/>
+          <a:lstStyle/>
+          <a:p>
+            <a:r>
+              <a:rPr kumimoji="1" lang="ja-JP" altLang="en-US" dirty="0" smtClean="0"/>
+              <a:t>小判、稲荷、欠片、瓢箪で</a:t>
+            </a:r>
+            <a:endParaRPr kumimoji="1" lang="en-US" altLang="ja-JP" dirty="0" smtClean="0"/>
+          </a:p>
+          <a:p>
+            <a:r>
+              <a:rPr lang="ja-JP" altLang="en-US" dirty="0" smtClean="0"/>
+              <a:t>小判はスコア</a:t>
+            </a:r>
+            <a:r>
+              <a:rPr lang="en-US" altLang="ja-JP" dirty="0" smtClean="0"/>
+              <a:t>+1</a:t>
+            </a:r>
+            <a:r>
+              <a:rPr lang="ja-JP" altLang="en-US" dirty="0" err="1" smtClean="0"/>
+              <a:t>、</a:t>
+            </a:r>
+            <a:r>
+              <a:rPr lang="ja-JP" altLang="en-US" dirty="0" smtClean="0"/>
+              <a:t>稲荷スコア</a:t>
+            </a:r>
+            <a:r>
+              <a:rPr lang="en-US" altLang="ja-JP" dirty="0" smtClean="0"/>
+              <a:t>+10</a:t>
+            </a:r>
+            <a:r>
+              <a:rPr lang="ja-JP" altLang="en-US" dirty="0" err="1" smtClean="0"/>
+              <a:t>、</a:t>
+            </a:r>
+            <a:r>
+              <a:rPr lang="ja-JP" altLang="en-US" dirty="0" smtClean="0"/>
+              <a:t>欠片は、</a:t>
+            </a:r>
+            <a:endParaRPr lang="en-US" altLang="ja-JP" dirty="0" smtClean="0"/>
+          </a:p>
+          <a:p>
+            <a:pPr marL="0" indent="0">
+              <a:buNone/>
+            </a:pPr>
+            <a:r>
+              <a:rPr lang="ja-JP" altLang="en-US" dirty="0" smtClean="0"/>
+              <a:t>　少しの間無敵になれる、瓢箪は体力小回復。</a:t>
+            </a:r>
+            <a:endParaRPr kumimoji="1" lang="ja-JP" altLang="en-US" dirty="0"/>
+          </a:p>
+        </p:txBody>
+      </p:sp>
+      <p:sp>
+        <p:nvSpPr>
+          <p:cNvPr id="5" name="タイトル 1"/>
           <p:cNvSpPr>
             <a:spLocks noGrp="1"/>
           </p:cNvSpPr>
@@ -4699,46 +4209,28 @@
             <p:ph type="title"/>
           </p:nvPr>
         </p:nvSpPr>
-        <p:spPr/>
+        <p:spPr>
+          <a:xfrm>
+            <a:off x="838200" y="365125"/>
+            <a:ext cx="10515600" cy="1325563"/>
+          </a:xfrm>
+        </p:spPr>
         <p:txBody>
           <a:bodyPr/>
           <a:lstStyle/>
           <a:p>
             <a:r>
               <a:rPr kumimoji="1" lang="ja-JP" altLang="en-US" dirty="0" smtClean="0"/>
-              <a:t>エネミー</a:t>
-            </a:r>
-            <a:r>
-              <a:rPr kumimoji="1" lang="en-US" altLang="ja-JP" dirty="0" smtClean="0"/>
-              <a:t>1</a:t>
+              <a:t>アイテム</a:t>
             </a:r>
             <a:endParaRPr kumimoji="1" lang="ja-JP" altLang="en-US" dirty="0"/>
-          </a:p>
-        </p:txBody>
-      </p:sp>
-      <p:sp>
-        <p:nvSpPr>
-          <p:cNvPr id="3" name="コンテンツ プレースホルダー 2"/>
-          <p:cNvSpPr>
-            <a:spLocks noGrp="1"/>
-          </p:cNvSpPr>
-          <p:nvPr>
-            <p:ph idx="1"/>
-          </p:nvPr>
-        </p:nvSpPr>
-        <p:spPr/>
-        <p:txBody>
-          <a:bodyPr/>
-          <a:lstStyle/>
-          <a:p>
-            <a:endParaRPr kumimoji="1" lang="ja-JP" altLang="en-US"/>
           </a:p>
         </p:txBody>
       </p:sp>
     </p:spTree>
     <p:extLst>
       <p:ext uri="{BB962C8B-B14F-4D97-AF65-F5344CB8AC3E}">
-        <p14:creationId xmlns:p14="http://schemas.microsoft.com/office/powerpoint/2010/main" val="1696304617"/>
+        <p14:creationId xmlns:p14="http://schemas.microsoft.com/office/powerpoint/2010/main" val="3392804998"/>
       </p:ext>
     </p:extLst>
   </p:cSld>
@@ -4775,46 +4267,133 @@
             <p:ph type="title"/>
           </p:nvPr>
         </p:nvSpPr>
-        <p:spPr/>
+        <p:spPr>
+          <a:xfrm>
+            <a:off x="838200" y="233241"/>
+            <a:ext cx="3030415" cy="900968"/>
+          </a:xfrm>
+        </p:spPr>
+        <p:txBody>
+          <a:bodyPr/>
+          <a:lstStyle/>
+          <a:p>
+            <a:r>
+              <a:rPr lang="en-US" altLang="ja-JP" dirty="0"/>
+              <a:t>UI</a:t>
+            </a:r>
+            <a:endParaRPr kumimoji="1" lang="ja-JP" altLang="en-US" dirty="0"/>
+          </a:p>
+        </p:txBody>
+      </p:sp>
+      <p:sp>
+        <p:nvSpPr>
+          <p:cNvPr id="3" name="コンテンツ プレースホルダー 2"/>
+          <p:cNvSpPr>
+            <a:spLocks noGrp="1"/>
+          </p:cNvSpPr>
+          <p:nvPr>
+            <p:ph idx="1"/>
+          </p:nvPr>
+        </p:nvSpPr>
+        <p:spPr>
+          <a:xfrm>
+            <a:off x="838200" y="1257300"/>
+            <a:ext cx="10515600" cy="3332285"/>
+          </a:xfrm>
+        </p:spPr>
         <p:txBody>
           <a:bodyPr/>
           <a:lstStyle/>
           <a:p>
             <a:r>
               <a:rPr kumimoji="1" lang="ja-JP" altLang="en-US" dirty="0" smtClean="0"/>
-              <a:t>エネミー</a:t>
-            </a:r>
-            <a:r>
-              <a:rPr lang="ja-JP" altLang="en-US" dirty="0"/>
-              <a:t>２</a:t>
-            </a:r>
-            <a:endParaRPr kumimoji="1" lang="ja-JP" altLang="en-US" dirty="0"/>
-          </a:p>
-        </p:txBody>
-      </p:sp>
-      <p:sp>
-        <p:nvSpPr>
-          <p:cNvPr id="3" name="コンテンツ プレースホルダー 2"/>
-          <p:cNvSpPr>
-            <a:spLocks noGrp="1"/>
-          </p:cNvSpPr>
-          <p:nvPr>
-            <p:ph idx="1"/>
-          </p:nvPr>
-        </p:nvSpPr>
-        <p:spPr/>
-        <p:txBody>
-          <a:bodyPr/>
-          <a:lstStyle/>
-          <a:p>
-            <a:endParaRPr kumimoji="1" lang="ja-JP" altLang="en-US"/>
+              <a:t>勾玉ゲージ</a:t>
+            </a:r>
+            <a:r>
+              <a:rPr kumimoji="1" lang="en-US" altLang="ja-JP" dirty="0" smtClean="0"/>
+              <a:t>(</a:t>
+            </a:r>
+            <a:r>
+              <a:rPr kumimoji="1" lang="ja-JP" altLang="en-US" dirty="0" smtClean="0"/>
+              <a:t>必殺技ゲーム）</a:t>
+            </a:r>
+            <a:endParaRPr kumimoji="1" lang="en-US" altLang="ja-JP" dirty="0" smtClean="0"/>
+          </a:p>
+          <a:p>
+            <a:r>
+              <a:rPr lang="en-US" altLang="ja-JP" dirty="0" smtClean="0"/>
+              <a:t>HP</a:t>
+            </a:r>
+            <a:r>
+              <a:rPr lang="ja-JP" altLang="en-US" dirty="0" smtClean="0"/>
+              <a:t>ゲージ、</a:t>
+            </a:r>
+            <a:r>
+              <a:rPr lang="en-US" altLang="ja-JP" dirty="0" smtClean="0"/>
+              <a:t>HP</a:t>
+            </a:r>
+            <a:r>
+              <a:rPr lang="ja-JP" altLang="en-US" dirty="0" smtClean="0"/>
+              <a:t>ゲージベース</a:t>
+            </a:r>
+            <a:endParaRPr lang="en-US" altLang="ja-JP" dirty="0"/>
+          </a:p>
+          <a:p>
+            <a:r>
+              <a:rPr kumimoji="1" lang="ja-JP" altLang="en-US" dirty="0" smtClean="0"/>
+              <a:t>キャラクターアイコン</a:t>
+            </a:r>
+            <a:endParaRPr lang="en-US" altLang="ja-JP" dirty="0"/>
+          </a:p>
+          <a:p>
+            <a:r>
+              <a:rPr kumimoji="1" lang="ja-JP" altLang="en-US" dirty="0" smtClean="0"/>
+              <a:t>得点</a:t>
+            </a:r>
+            <a:endParaRPr kumimoji="1" lang="en-US" altLang="ja-JP" dirty="0" smtClean="0"/>
+          </a:p>
+          <a:p>
+            <a:r>
+              <a:rPr lang="ja-JP" altLang="en-US" dirty="0" smtClean="0"/>
+              <a:t>ボス</a:t>
+            </a:r>
+            <a:r>
+              <a:rPr lang="en-US" altLang="ja-JP" dirty="0" smtClean="0"/>
+              <a:t>HP</a:t>
+            </a:r>
+            <a:r>
+              <a:rPr lang="ja-JP" altLang="en-US" dirty="0" err="1" smtClean="0"/>
+              <a:t>、</a:t>
+            </a:r>
+            <a:r>
+              <a:rPr lang="en-US" altLang="ja-JP" dirty="0" smtClean="0"/>
+              <a:t>HP</a:t>
+            </a:r>
+            <a:r>
+              <a:rPr lang="ja-JP" altLang="en-US" dirty="0" smtClean="0"/>
+              <a:t>ゲージベース</a:t>
+            </a:r>
+            <a:endParaRPr lang="en-US" altLang="ja-JP" dirty="0" smtClean="0"/>
+          </a:p>
+          <a:p>
+            <a:r>
+              <a:rPr kumimoji="1" lang="ja-JP" altLang="en-US" dirty="0" smtClean="0"/>
+              <a:t>ウェーブ終了時にネクストウェーブへの誘導</a:t>
+            </a:r>
+            <a:r>
+              <a:rPr kumimoji="1" lang="en-US" altLang="ja-JP" dirty="0" smtClean="0"/>
+              <a:t>UI</a:t>
+            </a:r>
+          </a:p>
+          <a:p>
+            <a:endParaRPr kumimoji="1" lang="en-US" altLang="ja-JP" dirty="0" smtClean="0"/>
           </a:p>
         </p:txBody>
       </p:sp>
     </p:spTree>
     <p:extLst>
       <p:ext uri="{BB962C8B-B14F-4D97-AF65-F5344CB8AC3E}">
-        <p14:creationId xmlns:p14="http://schemas.microsoft.com/office/powerpoint/2010/main" val="89306593"/>
+        <p14:creationId xmlns:p14="http://schemas.microsoft.com/office/powerpoint/2010/main" val="2927900658"/>
       </p:ext>
     </p:extLst>
   </p:cSld>
@@ -4851,46 +4430,142 @@
             <p:ph type="title"/>
           </p:nvPr>
         </p:nvSpPr>
-        <p:spPr/>
+        <p:spPr>
+          <a:xfrm>
+            <a:off x="838200" y="365126"/>
+            <a:ext cx="2933700" cy="1032852"/>
+          </a:xfrm>
+        </p:spPr>
+        <p:txBody>
+          <a:bodyPr/>
+          <a:lstStyle/>
+          <a:p>
+            <a:r>
+              <a:rPr lang="ja-JP" altLang="en-US" dirty="0"/>
+              <a:t>リザルト</a:t>
+            </a:r>
+            <a:endParaRPr kumimoji="1" lang="ja-JP" altLang="en-US" dirty="0"/>
+          </a:p>
+        </p:txBody>
+      </p:sp>
+      <p:sp>
+        <p:nvSpPr>
+          <p:cNvPr id="3" name="コンテンツ プレースホルダー 2"/>
+          <p:cNvSpPr>
+            <a:spLocks noGrp="1"/>
+          </p:cNvSpPr>
+          <p:nvPr>
+            <p:ph idx="1"/>
+          </p:nvPr>
+        </p:nvSpPr>
+        <p:spPr>
+          <a:xfrm>
+            <a:off x="838200" y="1230924"/>
+            <a:ext cx="10515600" cy="5372099"/>
+          </a:xfrm>
+        </p:spPr>
         <p:txBody>
           <a:bodyPr/>
           <a:lstStyle/>
           <a:p>
             <a:r>
               <a:rPr kumimoji="1" lang="ja-JP" altLang="en-US" dirty="0" smtClean="0"/>
-              <a:t>エネミー</a:t>
-            </a:r>
-            <a:r>
-              <a:rPr lang="en-US" altLang="ja-JP" dirty="0" smtClean="0"/>
-              <a:t>3</a:t>
-            </a:r>
-            <a:endParaRPr kumimoji="1" lang="ja-JP" altLang="en-US" dirty="0"/>
-          </a:p>
-        </p:txBody>
-      </p:sp>
-      <p:sp>
-        <p:nvSpPr>
-          <p:cNvPr id="3" name="コンテンツ プレースホルダー 2"/>
-          <p:cNvSpPr>
-            <a:spLocks noGrp="1"/>
-          </p:cNvSpPr>
-          <p:nvPr>
-            <p:ph idx="1"/>
-          </p:nvPr>
-        </p:nvSpPr>
-        <p:spPr/>
-        <p:txBody>
-          <a:bodyPr/>
-          <a:lstStyle/>
-          <a:p>
-            <a:endParaRPr kumimoji="1" lang="ja-JP" altLang="en-US"/>
+              <a:t>ゲームクリア</a:t>
+            </a:r>
+            <a:endParaRPr kumimoji="1" lang="en-US" altLang="ja-JP" dirty="0" smtClean="0"/>
+          </a:p>
+          <a:p>
+            <a:pPr marL="0" indent="0">
+              <a:buNone/>
+            </a:pPr>
+            <a:r>
+              <a:rPr lang="ja-JP" altLang="en-US" dirty="0"/>
+              <a:t>　</a:t>
+            </a:r>
+            <a:r>
+              <a:rPr lang="ja-JP" altLang="en-US" dirty="0" smtClean="0"/>
+              <a:t>→タイトル</a:t>
+            </a:r>
+            <a:endParaRPr kumimoji="1" lang="en-US" altLang="ja-JP" dirty="0" smtClean="0"/>
+          </a:p>
+          <a:p>
+            <a:r>
+              <a:rPr lang="ja-JP" altLang="en-US" dirty="0" smtClean="0"/>
+              <a:t>ゲームオーバー</a:t>
+            </a:r>
+            <a:endParaRPr lang="en-US" altLang="ja-JP" dirty="0" smtClean="0"/>
+          </a:p>
+          <a:p>
+            <a:pPr marL="0" indent="0">
+              <a:buNone/>
+            </a:pPr>
+            <a:r>
+              <a:rPr lang="ja-JP" altLang="en-US" dirty="0"/>
+              <a:t>　</a:t>
+            </a:r>
+            <a:r>
+              <a:rPr lang="ja-JP" altLang="en-US" dirty="0" smtClean="0"/>
+              <a:t>→コンテニュー、タイトル</a:t>
+            </a:r>
+            <a:endParaRPr lang="en-US" altLang="ja-JP" dirty="0" smtClean="0"/>
+          </a:p>
+          <a:p>
+            <a:r>
+              <a:rPr kumimoji="1" lang="ja-JP" altLang="en-US" dirty="0" smtClean="0"/>
+              <a:t>一時停止</a:t>
+            </a:r>
+            <a:endParaRPr kumimoji="1" lang="en-US" altLang="ja-JP" dirty="0" smtClean="0"/>
+          </a:p>
+          <a:p>
+            <a:pPr marL="0" indent="0">
+              <a:buNone/>
+            </a:pPr>
+            <a:r>
+              <a:rPr lang="ja-JP" altLang="en-US" dirty="0" smtClean="0"/>
+              <a:t>　→ゲーム本編、タイトル</a:t>
+            </a:r>
+            <a:endParaRPr kumimoji="1" lang="en-US" altLang="ja-JP" dirty="0" smtClean="0"/>
+          </a:p>
+          <a:p>
+            <a:r>
+              <a:rPr lang="ja-JP" altLang="en-US" dirty="0" smtClean="0"/>
+              <a:t>チュートリアル</a:t>
+            </a:r>
+            <a:endParaRPr lang="en-US" altLang="ja-JP" dirty="0" smtClean="0"/>
+          </a:p>
+          <a:p>
+            <a:pPr marL="0" indent="0">
+              <a:buNone/>
+            </a:pPr>
+            <a:r>
+              <a:rPr lang="ja-JP" altLang="en-US" dirty="0" smtClean="0"/>
+              <a:t>　→タイトル、ゲーム本編</a:t>
+            </a:r>
+            <a:endParaRPr lang="en-US" altLang="ja-JP" dirty="0" smtClean="0"/>
+          </a:p>
+          <a:p>
+            <a:r>
+              <a:rPr kumimoji="1" lang="ja-JP" altLang="en-US" dirty="0" smtClean="0"/>
+              <a:t>本編</a:t>
+            </a:r>
+            <a:endParaRPr lang="en-US" altLang="ja-JP" dirty="0" smtClean="0"/>
+          </a:p>
+          <a:p>
+            <a:pPr marL="0" indent="0">
+              <a:buNone/>
+            </a:pPr>
+            <a:r>
+              <a:rPr lang="ja-JP" altLang="en-US" dirty="0" smtClean="0"/>
+              <a:t>　→一時停止</a:t>
+            </a:r>
+            <a:endParaRPr kumimoji="1" lang="en-US" altLang="ja-JP" dirty="0" smtClean="0"/>
           </a:p>
         </p:txBody>
       </p:sp>
     </p:spTree>
     <p:extLst>
       <p:ext uri="{BB962C8B-B14F-4D97-AF65-F5344CB8AC3E}">
-        <p14:creationId xmlns:p14="http://schemas.microsoft.com/office/powerpoint/2010/main" val="10850707"/>
+        <p14:creationId xmlns:p14="http://schemas.microsoft.com/office/powerpoint/2010/main" val="2416547712"/>
       </p:ext>
     </p:extLst>
   </p:cSld>

--- a/高松チーム/必要書類/仕様書/仕様書.pptx
+++ b/高松チーム/必要書類/仕様書/仕様書.pptx
@@ -15,6 +15,8 @@
     <p:sldId id="265" r:id="rId9"/>
     <p:sldId id="281" r:id="rId10"/>
     <p:sldId id="282" r:id="rId11"/>
+    <p:sldId id="284" r:id="rId12"/>
+    <p:sldId id="285" r:id="rId13"/>
   </p:sldIdLst>
   <p:sldSz cx="12192000" cy="6858000"/>
   <p:notesSz cx="6858000" cy="9144000"/>
@@ -3414,6 +3416,289 @@
 </p:sld>
 </file>
 
+<file path=ppt/slides/slide11.xml><?xml version="1.0" encoding="utf-8"?>
+<p:sld xmlns:a="http://schemas.openxmlformats.org/drawingml/2006/main" xmlns:r="http://schemas.openxmlformats.org/officeDocument/2006/relationships" xmlns:p="http://schemas.openxmlformats.org/presentationml/2006/main">
+  <p:cSld>
+    <p:spTree>
+      <p:nvGrpSpPr>
+        <p:cNvPr id="1" name=""/>
+        <p:cNvGrpSpPr/>
+        <p:nvPr/>
+      </p:nvGrpSpPr>
+      <p:grpSpPr>
+        <a:xfrm>
+          <a:off x="0" y="0"/>
+          <a:ext cx="0" cy="0"/>
+          <a:chOff x="0" y="0"/>
+          <a:chExt cx="0" cy="0"/>
+        </a:xfrm>
+      </p:grpSpPr>
+      <p:sp>
+        <p:nvSpPr>
+          <p:cNvPr id="2" name="タイトル 1"/>
+          <p:cNvSpPr>
+            <a:spLocks noGrp="1"/>
+          </p:cNvSpPr>
+          <p:nvPr>
+            <p:ph type="title"/>
+          </p:nvPr>
+        </p:nvSpPr>
+        <p:spPr>
+          <a:xfrm>
+            <a:off x="838200" y="365126"/>
+            <a:ext cx="10515600" cy="632402"/>
+          </a:xfrm>
+        </p:spPr>
+        <p:txBody>
+          <a:bodyPr>
+            <a:normAutofit fontScale="90000"/>
+          </a:bodyPr>
+          <a:lstStyle/>
+          <a:p>
+            <a:r>
+              <a:rPr kumimoji="1" lang="ja-JP" altLang="en-US" dirty="0" smtClean="0"/>
+              <a:t>エフェクト</a:t>
+            </a:r>
+            <a:endParaRPr kumimoji="1" lang="ja-JP" altLang="en-US" dirty="0"/>
+          </a:p>
+        </p:txBody>
+      </p:sp>
+      <p:sp>
+        <p:nvSpPr>
+          <p:cNvPr id="3" name="コンテンツ プレースホルダー 2"/>
+          <p:cNvSpPr>
+            <a:spLocks noGrp="1"/>
+          </p:cNvSpPr>
+          <p:nvPr>
+            <p:ph idx="1"/>
+          </p:nvPr>
+        </p:nvSpPr>
+        <p:spPr>
+          <a:xfrm>
+            <a:off x="838200" y="997528"/>
+            <a:ext cx="10515600" cy="5179435"/>
+          </a:xfrm>
+        </p:spPr>
+        <p:txBody>
+          <a:bodyPr/>
+          <a:lstStyle/>
+          <a:p>
+            <a:r>
+              <a:rPr kumimoji="1" lang="ja-JP" altLang="en-US" dirty="0" smtClean="0"/>
+              <a:t>プレイヤー</a:t>
+            </a:r>
+            <a:endParaRPr kumimoji="1" lang="en-US" altLang="ja-JP" dirty="0" smtClean="0"/>
+          </a:p>
+          <a:p>
+            <a:pPr marL="0" indent="0">
+              <a:buNone/>
+            </a:pPr>
+            <a:r>
+              <a:rPr lang="ja-JP" altLang="en-US" dirty="0" smtClean="0"/>
+              <a:t>近接攻撃</a:t>
+            </a:r>
+            <a:r>
+              <a:rPr lang="ja-JP" altLang="en-US" dirty="0"/>
+              <a:t>が敵に当たった時の</a:t>
+            </a:r>
+            <a:r>
+              <a:rPr lang="ja-JP" altLang="en-US" dirty="0" smtClean="0"/>
+              <a:t>エフェクト</a:t>
+            </a:r>
+            <a:endParaRPr lang="en-US" altLang="ja-JP" dirty="0"/>
+          </a:p>
+          <a:p>
+            <a:pPr marL="0" indent="0">
+              <a:buNone/>
+            </a:pPr>
+            <a:r>
+              <a:rPr lang="ja-JP" altLang="en-US" sz="2800" dirty="0" smtClean="0"/>
+              <a:t>お札攻撃が当たった時の炎エフェクト</a:t>
+            </a:r>
+            <a:endParaRPr lang="en-US" altLang="ja-JP" sz="2800" dirty="0" smtClean="0"/>
+          </a:p>
+          <a:p>
+            <a:pPr marL="0" indent="0">
+              <a:buNone/>
+            </a:pPr>
+            <a:r>
+              <a:rPr lang="ja-JP" altLang="en-US" dirty="0" smtClean="0"/>
+              <a:t>必殺攻撃エフェクト</a:t>
+            </a:r>
+            <a:endParaRPr lang="en-US" altLang="ja-JP" dirty="0" smtClean="0"/>
+          </a:p>
+          <a:p>
+            <a:pPr marL="0" indent="0">
+              <a:buNone/>
+            </a:pPr>
+            <a:r>
+              <a:rPr lang="ja-JP" altLang="en-US" dirty="0" smtClean="0"/>
+              <a:t>ダメージを食らった時の</a:t>
+            </a:r>
+            <a:r>
+              <a:rPr lang="ja-JP" altLang="en-US" dirty="0"/>
+              <a:t>エフェクト</a:t>
+            </a:r>
+            <a:endParaRPr lang="en-US" altLang="ja-JP" dirty="0" smtClean="0"/>
+          </a:p>
+          <a:p>
+            <a:pPr marL="0" indent="0">
+              <a:buNone/>
+            </a:pPr>
+            <a:endParaRPr lang="en-US" altLang="ja-JP" dirty="0"/>
+          </a:p>
+          <a:p>
+            <a:r>
+              <a:rPr lang="ja-JP" altLang="en-US" dirty="0" smtClean="0"/>
+              <a:t>敵</a:t>
+            </a:r>
+            <a:endParaRPr lang="en-US" altLang="ja-JP" dirty="0" smtClean="0"/>
+          </a:p>
+          <a:p>
+            <a:pPr marL="0" indent="0">
+              <a:buNone/>
+            </a:pPr>
+            <a:r>
+              <a:rPr lang="ja-JP" altLang="en-US" dirty="0"/>
+              <a:t>ダメージ</a:t>
+            </a:r>
+            <a:r>
+              <a:rPr lang="ja-JP" altLang="en-US" dirty="0" smtClean="0"/>
+              <a:t>をくらったときのエフェクト</a:t>
+            </a:r>
+            <a:endParaRPr lang="en-US" altLang="ja-JP" dirty="0" smtClean="0"/>
+          </a:p>
+          <a:p>
+            <a:pPr marL="0" indent="0">
+              <a:buNone/>
+            </a:pPr>
+            <a:endParaRPr lang="en-US" altLang="ja-JP" dirty="0"/>
+          </a:p>
+        </p:txBody>
+      </p:sp>
+    </p:spTree>
+    <p:extLst>
+      <p:ext uri="{BB962C8B-B14F-4D97-AF65-F5344CB8AC3E}">
+        <p14:creationId xmlns:p14="http://schemas.microsoft.com/office/powerpoint/2010/main" val="3604163369"/>
+      </p:ext>
+    </p:extLst>
+  </p:cSld>
+  <p:clrMapOvr>
+    <a:masterClrMapping/>
+  </p:clrMapOvr>
+</p:sld>
+</file>
+
+<file path=ppt/slides/slide12.xml><?xml version="1.0" encoding="utf-8"?>
+<p:sld xmlns:a="http://schemas.openxmlformats.org/drawingml/2006/main" xmlns:r="http://schemas.openxmlformats.org/officeDocument/2006/relationships" xmlns:p="http://schemas.openxmlformats.org/presentationml/2006/main">
+  <p:cSld>
+    <p:spTree>
+      <p:nvGrpSpPr>
+        <p:cNvPr id="1" name=""/>
+        <p:cNvGrpSpPr/>
+        <p:nvPr/>
+      </p:nvGrpSpPr>
+      <p:grpSpPr>
+        <a:xfrm>
+          <a:off x="0" y="0"/>
+          <a:ext cx="0" cy="0"/>
+          <a:chOff x="0" y="0"/>
+          <a:chExt cx="0" cy="0"/>
+        </a:xfrm>
+      </p:grpSpPr>
+      <p:sp>
+        <p:nvSpPr>
+          <p:cNvPr id="2" name="タイトル 1"/>
+          <p:cNvSpPr>
+            <a:spLocks noGrp="1"/>
+          </p:cNvSpPr>
+          <p:nvPr>
+            <p:ph type="title"/>
+          </p:nvPr>
+        </p:nvSpPr>
+        <p:spPr>
+          <a:xfrm>
+            <a:off x="838200" y="365125"/>
+            <a:ext cx="10515600" cy="752475"/>
+          </a:xfrm>
+        </p:spPr>
+        <p:txBody>
+          <a:bodyPr/>
+          <a:lstStyle/>
+          <a:p>
+            <a:r>
+              <a:rPr kumimoji="1" lang="ja-JP" altLang="en-US" dirty="0" smtClean="0"/>
+              <a:t>エフェクト（ボス）</a:t>
+            </a:r>
+            <a:endParaRPr kumimoji="1" lang="ja-JP" altLang="en-US" dirty="0"/>
+          </a:p>
+        </p:txBody>
+      </p:sp>
+      <p:sp>
+        <p:nvSpPr>
+          <p:cNvPr id="3" name="コンテンツ プレースホルダー 2"/>
+          <p:cNvSpPr>
+            <a:spLocks noGrp="1"/>
+          </p:cNvSpPr>
+          <p:nvPr>
+            <p:ph idx="1"/>
+          </p:nvPr>
+        </p:nvSpPr>
+        <p:spPr>
+          <a:xfrm>
+            <a:off x="838200" y="1117600"/>
+            <a:ext cx="10515600" cy="5059363"/>
+          </a:xfrm>
+        </p:spPr>
+        <p:txBody>
+          <a:bodyPr/>
+          <a:lstStyle/>
+          <a:p>
+            <a:r>
+              <a:rPr lang="ja-JP" altLang="en-US" dirty="0" smtClean="0"/>
+              <a:t>はかいこう</a:t>
+            </a:r>
+            <a:r>
+              <a:rPr lang="ja-JP" altLang="en-US" dirty="0" err="1" smtClean="0"/>
+              <a:t>せんを</a:t>
+            </a:r>
+            <a:r>
+              <a:rPr lang="ja-JP" altLang="en-US" dirty="0" smtClean="0"/>
+              <a:t>だすときのエフェクト</a:t>
+            </a:r>
+            <a:endParaRPr lang="en-US" altLang="ja-JP" dirty="0" smtClean="0"/>
+          </a:p>
+          <a:p>
+            <a:r>
+              <a:rPr kumimoji="1" lang="ja-JP" altLang="en-US" dirty="0" smtClean="0"/>
+              <a:t>薙ぎ払いの紫ビームエフェクト</a:t>
+            </a:r>
+            <a:endParaRPr kumimoji="1" lang="en-US" altLang="ja-JP" dirty="0" smtClean="0"/>
+          </a:p>
+          <a:p>
+            <a:endParaRPr lang="en-US" altLang="ja-JP"/>
+          </a:p>
+          <a:p>
+            <a:endParaRPr kumimoji="1" lang="en-US" altLang="ja-JP" dirty="0" smtClean="0"/>
+          </a:p>
+          <a:p>
+            <a:endParaRPr kumimoji="1" lang="ja-JP" altLang="en-US" dirty="0"/>
+          </a:p>
+        </p:txBody>
+      </p:sp>
+    </p:spTree>
+    <p:extLst>
+      <p:ext uri="{BB962C8B-B14F-4D97-AF65-F5344CB8AC3E}">
+        <p14:creationId xmlns:p14="http://schemas.microsoft.com/office/powerpoint/2010/main" val="1642217038"/>
+      </p:ext>
+    </p:extLst>
+  </p:cSld>
+  <p:clrMapOvr>
+    <a:masterClrMapping/>
+  </p:clrMapOvr>
+</p:sld>
+</file>
+
 <file path=ppt/slides/slide2.xml><?xml version="1.0" encoding="utf-8"?>
 <p:sld xmlns:a="http://schemas.openxmlformats.org/drawingml/2006/main" xmlns:r="http://schemas.openxmlformats.org/officeDocument/2006/relationships" xmlns:p="http://schemas.openxmlformats.org/presentationml/2006/main">
   <p:cSld>
@@ -4055,11 +4340,7 @@
             </a:r>
             <a:r>
               <a:rPr lang="ja-JP" altLang="en-US" dirty="0" smtClean="0"/>
-              <a:t>屋根</a:t>
-            </a:r>
-            <a:r>
-              <a:rPr lang="ja-JP" altLang="en-US" dirty="0" smtClean="0"/>
-              <a:t>や灯篭の上などには乗れるようにする。</a:t>
+              <a:t>屋根や灯篭の上などには乗れるようにする。</a:t>
             </a:r>
             <a:endParaRPr lang="en-US" altLang="ja-JP" dirty="0" smtClean="0"/>
           </a:p>

--- a/高松チーム/必要書類/仕様書/仕様書.pptx
+++ b/高松チーム/必要書類/仕様書/仕様書.pptx
@@ -17,6 +17,7 @@
     <p:sldId id="282" r:id="rId11"/>
     <p:sldId id="284" r:id="rId12"/>
     <p:sldId id="285" r:id="rId13"/>
+    <p:sldId id="286" r:id="rId14"/>
   </p:sldIdLst>
   <p:sldSz cx="12192000" cy="6858000"/>
   <p:notesSz cx="6858000" cy="9144000"/>
@@ -3656,11 +3657,15 @@
           <a:p>
             <a:r>
               <a:rPr lang="ja-JP" altLang="en-US" dirty="0" smtClean="0"/>
-              <a:t>はかいこう</a:t>
-            </a:r>
-            <a:r>
-              <a:rPr lang="ja-JP" altLang="en-US" dirty="0" err="1" smtClean="0"/>
-              <a:t>せんを</a:t>
+              <a:t>横</a:t>
+            </a:r>
+            <a:r>
+              <a:rPr lang="ja-JP" altLang="en-US" dirty="0"/>
+              <a:t>ブレス</a:t>
+            </a:r>
+            <a:r>
+              <a:rPr lang="ja-JP" altLang="en-US" dirty="0" smtClean="0"/>
+              <a:t>を</a:t>
             </a:r>
             <a:r>
               <a:rPr lang="ja-JP" altLang="en-US" dirty="0" smtClean="0"/>
@@ -3671,12 +3676,16 @@
           <a:p>
             <a:r>
               <a:rPr kumimoji="1" lang="ja-JP" altLang="en-US" dirty="0" smtClean="0"/>
-              <a:t>薙ぎ払いの紫ビームエフェクト</a:t>
+              <a:t>範囲ブレスの</a:t>
+            </a:r>
+            <a:r>
+              <a:rPr kumimoji="1" lang="ja-JP" altLang="en-US" dirty="0" smtClean="0"/>
+              <a:t>紫ビームエフェクト</a:t>
             </a:r>
             <a:endParaRPr kumimoji="1" lang="en-US" altLang="ja-JP" dirty="0" smtClean="0"/>
           </a:p>
           <a:p>
-            <a:endParaRPr lang="en-US" altLang="ja-JP"/>
+            <a:endParaRPr lang="en-US" altLang="ja-JP" dirty="0"/>
           </a:p>
           <a:p>
             <a:endParaRPr kumimoji="1" lang="en-US" altLang="ja-JP" dirty="0" smtClean="0"/>
@@ -3690,6 +3699,127 @@
     <p:extLst>
       <p:ext uri="{BB962C8B-B14F-4D97-AF65-F5344CB8AC3E}">
         <p14:creationId xmlns:p14="http://schemas.microsoft.com/office/powerpoint/2010/main" val="1642217038"/>
+      </p:ext>
+    </p:extLst>
+  </p:cSld>
+  <p:clrMapOvr>
+    <a:masterClrMapping/>
+  </p:clrMapOvr>
+</p:sld>
+</file>
+
+<file path=ppt/slides/slide13.xml><?xml version="1.0" encoding="utf-8"?>
+<p:sld xmlns:a="http://schemas.openxmlformats.org/drawingml/2006/main" xmlns:r="http://schemas.openxmlformats.org/officeDocument/2006/relationships" xmlns:p="http://schemas.openxmlformats.org/presentationml/2006/main">
+  <p:cSld>
+    <p:spTree>
+      <p:nvGrpSpPr>
+        <p:cNvPr id="1" name=""/>
+        <p:cNvGrpSpPr/>
+        <p:nvPr/>
+      </p:nvGrpSpPr>
+      <p:grpSpPr>
+        <a:xfrm>
+          <a:off x="0" y="0"/>
+          <a:ext cx="0" cy="0"/>
+          <a:chOff x="0" y="0"/>
+          <a:chExt cx="0" cy="0"/>
+        </a:xfrm>
+      </p:grpSpPr>
+      <p:sp>
+        <p:nvSpPr>
+          <p:cNvPr id="2" name="タイトル 1"/>
+          <p:cNvSpPr>
+            <a:spLocks noGrp="1"/>
+          </p:cNvSpPr>
+          <p:nvPr>
+            <p:ph type="title"/>
+          </p:nvPr>
+        </p:nvSpPr>
+        <p:spPr>
+          <a:xfrm>
+            <a:off x="838200" y="365125"/>
+            <a:ext cx="10515600" cy="706293"/>
+          </a:xfrm>
+        </p:spPr>
+        <p:txBody>
+          <a:bodyPr/>
+          <a:lstStyle/>
+          <a:p>
+            <a:r>
+              <a:rPr lang="ja-JP" altLang="en-US" dirty="0" smtClean="0"/>
+              <a:t>ビッグ</a:t>
+            </a:r>
+            <a:r>
+              <a:rPr lang="ja-JP" altLang="en-US" dirty="0"/>
+              <a:t>ウェーブ</a:t>
+            </a:r>
+            <a:endParaRPr kumimoji="1" lang="ja-JP" altLang="en-US" dirty="0"/>
+          </a:p>
+        </p:txBody>
+      </p:sp>
+      <p:sp>
+        <p:nvSpPr>
+          <p:cNvPr id="3" name="コンテンツ プレースホルダー 2"/>
+          <p:cNvSpPr>
+            <a:spLocks noGrp="1"/>
+          </p:cNvSpPr>
+          <p:nvPr>
+            <p:ph idx="1"/>
+          </p:nvPr>
+        </p:nvSpPr>
+        <p:spPr>
+          <a:xfrm>
+            <a:off x="838200" y="979055"/>
+            <a:ext cx="10515600" cy="5197908"/>
+          </a:xfrm>
+        </p:spPr>
+        <p:txBody>
+          <a:bodyPr/>
+          <a:lstStyle/>
+          <a:p>
+            <a:r>
+              <a:rPr kumimoji="1" lang="ja-JP" altLang="en-US" dirty="0" smtClean="0"/>
+              <a:t>各ステージで出てくる敵を管理する</a:t>
+            </a:r>
+            <a:endParaRPr lang="en-US" altLang="ja-JP" dirty="0" smtClean="0"/>
+          </a:p>
+          <a:p>
+            <a:r>
+              <a:rPr kumimoji="1" lang="ja-JP" altLang="en-US" dirty="0" smtClean="0"/>
+              <a:t>各ステージのビッグウェーブ内にスモールウェーブを導入する</a:t>
+            </a:r>
+            <a:endParaRPr kumimoji="1" lang="en-US" altLang="ja-JP" dirty="0" smtClean="0"/>
+          </a:p>
+          <a:p>
+            <a:r>
+              <a:rPr lang="ja-JP" altLang="en-US" dirty="0" smtClean="0"/>
+              <a:t>ビッグウェーブは３つくらい</a:t>
+            </a:r>
+            <a:endParaRPr lang="en-US" altLang="ja-JP" dirty="0"/>
+          </a:p>
+          <a:p>
+            <a:endParaRPr lang="en-US" altLang="ja-JP" dirty="0"/>
+          </a:p>
+          <a:p>
+            <a:r>
+              <a:rPr kumimoji="1" lang="ja-JP" altLang="en-US" dirty="0" smtClean="0"/>
+              <a:t>スモールウェーブは２つ以上</a:t>
+            </a:r>
+            <a:endParaRPr lang="en-US" altLang="ja-JP" dirty="0"/>
+          </a:p>
+          <a:p>
+            <a:r>
+              <a:rPr lang="ja-JP" altLang="en-US" dirty="0" smtClean="0"/>
+              <a:t>前作ゲームの各ステージごとに出てくる敵の数をウェーブ数で調整して見やすくする</a:t>
+            </a:r>
+            <a:endParaRPr kumimoji="1" lang="en-US" altLang="ja-JP" dirty="0" smtClean="0"/>
+          </a:p>
+        </p:txBody>
+      </p:sp>
+    </p:spTree>
+    <p:extLst>
+      <p:ext uri="{BB962C8B-B14F-4D97-AF65-F5344CB8AC3E}">
+        <p14:creationId xmlns:p14="http://schemas.microsoft.com/office/powerpoint/2010/main" val="321604919"/>
       </p:ext>
     </p:extLst>
   </p:cSld>
